--- a/Proekt_Navyk_dlya_golosovogo_pomoschnika_Alisa.pptx
+++ b/Proekt_Navyk_dlya_golosovogo_pomoschnika_Alisa.pptx
@@ -18,6 +18,7 @@
     <p:sldId id="267" r:id="rId12"/>
     <p:sldId id="263" r:id="rId13"/>
     <p:sldId id="265" r:id="rId14"/>
+    <p:sldId id="269" r:id="rId15"/>
   </p:sldIdLst>
   <p:sldSz cx="12192000" cy="6858000"/>
   <p:notesSz cx="6858000" cy="9144000"/>
@@ -116,6 +117,22 @@
       </a:defRPr>
     </a:lvl9pPr>
   </p:defaultTextStyle>
+  <p:extLst>
+    <p:ext uri="{EFAFB233-063F-42B5-8137-9DF3F51BA10A}">
+      <p15:sldGuideLst xmlns:p15="http://schemas.microsoft.com/office/powerpoint/2012/main">
+        <p15:guide id="1" orient="horz" pos="2160">
+          <p15:clr>
+            <a:srgbClr val="A4A3A4"/>
+          </p15:clr>
+        </p15:guide>
+        <p15:guide id="2" pos="3840">
+          <p15:clr>
+            <a:srgbClr val="A4A3A4"/>
+          </p15:clr>
+        </p15:guide>
+      </p15:sldGuideLst>
+    </p:ext>
+  </p:extLst>
 </p:presentation>
 </file>
 
@@ -149,9 +166,7 @@
         <p:spPr/>
         <p:txBody>
           <a:bodyPr/>
-          <a:lstStyle>
-            <a:extLst/>
-          </a:lstStyle>
+          <a:lstStyle/>
           <a:p>
             <a:fld id="{B61BEF0D-F0BB-DE4B-95CE-6DB70DBA9567}" type="datetimeFigureOut">
               <a:rPr lang="en-US" smtClean="0"/>
@@ -175,9 +190,7 @@
         <p:spPr/>
         <p:txBody>
           <a:bodyPr/>
-          <a:lstStyle>
-            <a:extLst/>
-          </a:lstStyle>
+          <a:lstStyle/>
           <a:p>
             <a:endParaRPr lang="en-US" dirty="0"/>
           </a:p>
@@ -196,9 +209,7 @@
         <p:spPr/>
         <p:txBody>
           <a:bodyPr/>
-          <a:lstStyle>
-            <a:extLst/>
-          </a:lstStyle>
+          <a:lstStyle/>
           <a:p>
             <a:fld id="{D57F1E4F-1CFF-5643-939E-217C01CDF565}" type="slidenum">
               <a:rPr lang="en-US" smtClean="0"/>
@@ -250,9 +261,7 @@
         </p:style>
         <p:txBody>
           <a:bodyPr anchor="ctr"/>
-          <a:lstStyle>
-            <a:extLst/>
-          </a:lstStyle>
+          <a:lstStyle/>
           <a:p>
             <a:pPr algn="ctr" eaLnBrk="1" latinLnBrk="0" hangingPunct="1"/>
             <a:endParaRPr kumimoji="0" lang="en-US"/>
@@ -298,9 +307,7 @@
         </p:style>
         <p:txBody>
           <a:bodyPr anchor="ctr"/>
-          <a:lstStyle>
-            <a:extLst/>
-          </a:lstStyle>
+          <a:lstStyle/>
           <a:p>
             <a:pPr algn="ctr" eaLnBrk="1" latinLnBrk="0" hangingPunct="1"/>
             <a:endParaRPr kumimoji="0" lang="en-US" dirty="0"/>
@@ -346,9 +353,7 @@
         </p:style>
         <p:txBody>
           <a:bodyPr anchor="ctr"/>
-          <a:lstStyle>
-            <a:extLst/>
-          </a:lstStyle>
+          <a:lstStyle/>
           <a:p>
             <a:pPr algn="ctr" eaLnBrk="1" latinLnBrk="0" hangingPunct="1"/>
             <a:endParaRPr kumimoji="0" lang="en-US" dirty="0"/>
@@ -394,9 +399,7 @@
         </p:style>
         <p:txBody>
           <a:bodyPr anchor="ctr"/>
-          <a:lstStyle>
-            <a:extLst/>
-          </a:lstStyle>
+          <a:lstStyle/>
           <a:p>
             <a:pPr algn="ctr" eaLnBrk="1" latinLnBrk="0" hangingPunct="1"/>
             <a:endParaRPr kumimoji="0" lang="en-US"/>
@@ -442,9 +445,7 @@
         </p:style>
         <p:txBody>
           <a:bodyPr anchor="ctr"/>
-          <a:lstStyle>
-            <a:extLst/>
-          </a:lstStyle>
+          <a:lstStyle/>
           <a:p>
             <a:pPr algn="ctr" eaLnBrk="1" latinLnBrk="0" hangingPunct="1"/>
             <a:endParaRPr kumimoji="0" lang="en-US" dirty="0"/>
@@ -481,7 +482,7 @@
           </a:lstStyle>
           <a:p>
             <a:r>
-              <a:rPr kumimoji="0" lang="ru-RU" smtClean="0"/>
+              <a:rPr kumimoji="0" lang="ru-RU"/>
               <a:t>Образец заголовка</a:t>
             </a:r>
             <a:endParaRPr kumimoji="0" lang="en-US"/>
@@ -546,7 +547,7 @@
           </a:lstStyle>
           <a:p>
             <a:r>
-              <a:rPr kumimoji="0" lang="ru-RU" smtClean="0"/>
+              <a:rPr kumimoji="0" lang="ru-RU"/>
               <a:t>Образец подзаголовка</a:t>
             </a:r>
             <a:endParaRPr kumimoji="0" lang="en-US"/>
@@ -594,9 +595,7 @@
         </p:style>
         <p:txBody>
           <a:bodyPr anchor="ctr"/>
-          <a:lstStyle>
-            <a:extLst/>
-          </a:lstStyle>
+          <a:lstStyle/>
           <a:p>
             <a:pPr algn="ctr" eaLnBrk="1" latinLnBrk="0" hangingPunct="1"/>
             <a:endParaRPr kumimoji="0" lang="en-US"/>
@@ -644,9 +643,7 @@
         </p:style>
         <p:txBody>
           <a:bodyPr anchor="ctr"/>
-          <a:lstStyle>
-            <a:extLst/>
-          </a:lstStyle>
+          <a:lstStyle/>
           <a:p>
             <a:pPr algn="ctr" eaLnBrk="1" latinLnBrk="0" hangingPunct="1"/>
             <a:endParaRPr kumimoji="0" lang="en-US"/>
@@ -692,9 +689,7 @@
         </p:style>
         <p:txBody>
           <a:bodyPr anchor="ctr"/>
-          <a:lstStyle>
-            <a:extLst/>
-          </a:lstStyle>
+          <a:lstStyle/>
           <a:p>
             <a:pPr algn="ctr" eaLnBrk="1" latinLnBrk="0" hangingPunct="1"/>
             <a:endParaRPr kumimoji="0" lang="en-US"/>
@@ -742,9 +737,7 @@
         </p:style>
         <p:txBody>
           <a:bodyPr anchor="ctr"/>
-          <a:lstStyle>
-            <a:extLst/>
-          </a:lstStyle>
+          <a:lstStyle/>
           <a:p>
             <a:pPr algn="ctr" eaLnBrk="1" latinLnBrk="0" hangingPunct="1"/>
             <a:endParaRPr kumimoji="0" lang="en-US" dirty="0"/>
@@ -789,12 +782,10 @@
         <p:spPr/>
         <p:txBody>
           <a:bodyPr/>
-          <a:lstStyle>
-            <a:extLst/>
-          </a:lstStyle>
-          <a:p>
-            <a:r>
-              <a:rPr kumimoji="0" lang="ru-RU" smtClean="0"/>
+          <a:lstStyle/>
+          <a:p>
+            <a:r>
+              <a:rPr kumimoji="0" lang="ru-RU"/>
               <a:t>Образец заголовка</a:t>
             </a:r>
             <a:endParaRPr kumimoji="0" lang="en-US"/>
@@ -814,41 +805,39 @@
         <p:spPr/>
         <p:txBody>
           <a:bodyPr vert="eaVert"/>
-          <a:lstStyle>
-            <a:extLst/>
-          </a:lstStyle>
+          <a:lstStyle/>
           <a:p>
             <a:pPr lvl="0" eaLnBrk="1" latinLnBrk="0" hangingPunct="1"/>
             <a:r>
-              <a:rPr lang="ru-RU" smtClean="0"/>
+              <a:rPr lang="ru-RU"/>
               <a:t>Образец текста</a:t>
             </a:r>
           </a:p>
           <a:p>
             <a:pPr lvl="1" eaLnBrk="1" latinLnBrk="0" hangingPunct="1"/>
             <a:r>
-              <a:rPr lang="ru-RU" smtClean="0"/>
+              <a:rPr lang="ru-RU"/>
               <a:t>Второй уровень</a:t>
             </a:r>
           </a:p>
           <a:p>
             <a:pPr lvl="2" eaLnBrk="1" latinLnBrk="0" hangingPunct="1"/>
             <a:r>
-              <a:rPr lang="ru-RU" smtClean="0"/>
+              <a:rPr lang="ru-RU"/>
               <a:t>Третий уровень</a:t>
             </a:r>
           </a:p>
           <a:p>
             <a:pPr lvl="3" eaLnBrk="1" latinLnBrk="0" hangingPunct="1"/>
             <a:r>
-              <a:rPr lang="ru-RU" smtClean="0"/>
+              <a:rPr lang="ru-RU"/>
               <a:t>Четвертый уровень</a:t>
             </a:r>
           </a:p>
           <a:p>
             <a:pPr lvl="4" eaLnBrk="1" latinLnBrk="0" hangingPunct="1"/>
             <a:r>
-              <a:rPr lang="ru-RU" smtClean="0"/>
+              <a:rPr lang="ru-RU"/>
               <a:t>Пятый уровень</a:t>
             </a:r>
             <a:endParaRPr kumimoji="0" lang="en-US"/>
@@ -868,9 +857,7 @@
         <p:spPr/>
         <p:txBody>
           <a:bodyPr/>
-          <a:lstStyle>
-            <a:extLst/>
-          </a:lstStyle>
+          <a:lstStyle/>
           <a:p>
             <a:fld id="{B61BEF0D-F0BB-DE4B-95CE-6DB70DBA9567}" type="datetimeFigureOut">
               <a:rPr lang="en-US" smtClean="0"/>
@@ -894,9 +881,7 @@
         <p:spPr/>
         <p:txBody>
           <a:bodyPr/>
-          <a:lstStyle>
-            <a:extLst/>
-          </a:lstStyle>
+          <a:lstStyle/>
           <a:p>
             <a:endParaRPr lang="en-US" dirty="0"/>
           </a:p>
@@ -915,9 +900,7 @@
         <p:spPr/>
         <p:txBody>
           <a:bodyPr/>
-          <a:lstStyle>
-            <a:extLst/>
-          </a:lstStyle>
+          <a:lstStyle/>
           <a:p>
             <a:fld id="{D57F1E4F-1CFF-5643-939E-217C01CDF565}" type="slidenum">
               <a:rPr lang="en-US" smtClean="0"/>
@@ -971,12 +954,10 @@
         </p:spPr>
         <p:txBody>
           <a:bodyPr vert="eaVert" anchor="ctr"/>
-          <a:lstStyle>
-            <a:extLst/>
-          </a:lstStyle>
-          <a:p>
-            <a:r>
-              <a:rPr kumimoji="0" lang="ru-RU" smtClean="0"/>
+          <a:lstStyle/>
+          <a:p>
+            <a:r>
+              <a:rPr kumimoji="0" lang="ru-RU"/>
               <a:t>Образец заголовка</a:t>
             </a:r>
             <a:endParaRPr kumimoji="0" lang="en-US"/>
@@ -1001,41 +982,39 @@
         </p:spPr>
         <p:txBody>
           <a:bodyPr vert="eaVert"/>
-          <a:lstStyle>
-            <a:extLst/>
-          </a:lstStyle>
+          <a:lstStyle/>
           <a:p>
             <a:pPr lvl="0" eaLnBrk="1" latinLnBrk="0" hangingPunct="1"/>
             <a:r>
-              <a:rPr lang="ru-RU" smtClean="0"/>
+              <a:rPr lang="ru-RU"/>
               <a:t>Образец текста</a:t>
             </a:r>
           </a:p>
           <a:p>
             <a:pPr lvl="1" eaLnBrk="1" latinLnBrk="0" hangingPunct="1"/>
             <a:r>
-              <a:rPr lang="ru-RU" smtClean="0"/>
+              <a:rPr lang="ru-RU"/>
               <a:t>Второй уровень</a:t>
             </a:r>
           </a:p>
           <a:p>
             <a:pPr lvl="2" eaLnBrk="1" latinLnBrk="0" hangingPunct="1"/>
             <a:r>
-              <a:rPr lang="ru-RU" smtClean="0"/>
+              <a:rPr lang="ru-RU"/>
               <a:t>Третий уровень</a:t>
             </a:r>
           </a:p>
           <a:p>
             <a:pPr lvl="3" eaLnBrk="1" latinLnBrk="0" hangingPunct="1"/>
             <a:r>
-              <a:rPr lang="ru-RU" smtClean="0"/>
+              <a:rPr lang="ru-RU"/>
               <a:t>Четвертый уровень</a:t>
             </a:r>
           </a:p>
           <a:p>
             <a:pPr lvl="4" eaLnBrk="1" latinLnBrk="0" hangingPunct="1"/>
             <a:r>
-              <a:rPr lang="ru-RU" smtClean="0"/>
+              <a:rPr lang="ru-RU"/>
               <a:t>Пятый уровень</a:t>
             </a:r>
             <a:endParaRPr kumimoji="0" lang="en-US"/>
@@ -1055,9 +1034,7 @@
         <p:spPr/>
         <p:txBody>
           <a:bodyPr/>
-          <a:lstStyle>
-            <a:extLst/>
-          </a:lstStyle>
+          <a:lstStyle/>
           <a:p>
             <a:fld id="{B61BEF0D-F0BB-DE4B-95CE-6DB70DBA9567}" type="datetimeFigureOut">
               <a:rPr lang="en-US" smtClean="0"/>
@@ -1081,9 +1058,7 @@
         <p:spPr/>
         <p:txBody>
           <a:bodyPr/>
-          <a:lstStyle>
-            <a:extLst/>
-          </a:lstStyle>
+          <a:lstStyle/>
           <a:p>
             <a:endParaRPr lang="en-US" dirty="0"/>
           </a:p>
@@ -1102,9 +1077,7 @@
         <p:spPr/>
         <p:txBody>
           <a:bodyPr/>
-          <a:lstStyle>
-            <a:extLst/>
-          </a:lstStyle>
+          <a:lstStyle/>
           <a:p>
             <a:fld id="{D57F1E4F-1CFF-5643-939E-217C01CDF565}" type="slidenum">
               <a:rPr lang="en-US" smtClean="0"/>
@@ -1153,12 +1126,10 @@
         <p:spPr/>
         <p:txBody>
           <a:bodyPr/>
-          <a:lstStyle>
-            <a:extLst/>
-          </a:lstStyle>
-          <a:p>
-            <a:r>
-              <a:rPr kumimoji="0" lang="ru-RU" smtClean="0"/>
+          <a:lstStyle/>
+          <a:p>
+            <a:r>
+              <a:rPr kumimoji="0" lang="ru-RU"/>
               <a:t>Образец заголовка</a:t>
             </a:r>
             <a:endParaRPr kumimoji="0" lang="en-US"/>
@@ -1178,41 +1149,39 @@
         <p:spPr/>
         <p:txBody>
           <a:bodyPr/>
-          <a:lstStyle>
-            <a:extLst/>
-          </a:lstStyle>
+          <a:lstStyle/>
           <a:p>
             <a:pPr lvl="0" eaLnBrk="1" latinLnBrk="0" hangingPunct="1"/>
             <a:r>
-              <a:rPr lang="ru-RU" smtClean="0"/>
+              <a:rPr lang="ru-RU"/>
               <a:t>Образец текста</a:t>
             </a:r>
           </a:p>
           <a:p>
             <a:pPr lvl="1" eaLnBrk="1" latinLnBrk="0" hangingPunct="1"/>
             <a:r>
-              <a:rPr lang="ru-RU" smtClean="0"/>
+              <a:rPr lang="ru-RU"/>
               <a:t>Второй уровень</a:t>
             </a:r>
           </a:p>
           <a:p>
             <a:pPr lvl="2" eaLnBrk="1" latinLnBrk="0" hangingPunct="1"/>
             <a:r>
-              <a:rPr lang="ru-RU" smtClean="0"/>
+              <a:rPr lang="ru-RU"/>
               <a:t>Третий уровень</a:t>
             </a:r>
           </a:p>
           <a:p>
             <a:pPr lvl="3" eaLnBrk="1" latinLnBrk="0" hangingPunct="1"/>
             <a:r>
-              <a:rPr lang="ru-RU" smtClean="0"/>
+              <a:rPr lang="ru-RU"/>
               <a:t>Четвертый уровень</a:t>
             </a:r>
           </a:p>
           <a:p>
             <a:pPr lvl="4" eaLnBrk="1" latinLnBrk="0" hangingPunct="1"/>
             <a:r>
-              <a:rPr lang="ru-RU" smtClean="0"/>
+              <a:rPr lang="ru-RU"/>
               <a:t>Пятый уровень</a:t>
             </a:r>
             <a:endParaRPr kumimoji="0" lang="en-US"/>
@@ -1232,9 +1201,7 @@
         <p:spPr/>
         <p:txBody>
           <a:bodyPr/>
-          <a:lstStyle>
-            <a:extLst/>
-          </a:lstStyle>
+          <a:lstStyle/>
           <a:p>
             <a:fld id="{B61BEF0D-F0BB-DE4B-95CE-6DB70DBA9567}" type="datetimeFigureOut">
               <a:rPr lang="en-US" smtClean="0"/>
@@ -1258,9 +1225,7 @@
         <p:spPr/>
         <p:txBody>
           <a:bodyPr/>
-          <a:lstStyle>
-            <a:extLst/>
-          </a:lstStyle>
+          <a:lstStyle/>
           <a:p>
             <a:endParaRPr lang="en-US" dirty="0"/>
           </a:p>
@@ -1279,9 +1244,7 @@
         <p:spPr/>
         <p:txBody>
           <a:bodyPr/>
-          <a:lstStyle>
-            <a:extLst/>
-          </a:lstStyle>
+          <a:lstStyle/>
           <a:p>
             <a:fld id="{D57F1E4F-1CFF-5643-939E-217C01CDF565}" type="slidenum">
               <a:rPr lang="en-US" smtClean="0"/>
@@ -1410,9 +1373,7 @@
         </p:spPr>
         <p:txBody>
           <a:bodyPr vert="horz" wrap="square" lIns="91440" tIns="45720" rIns="91440" bIns="45720" anchor="t" compatLnSpc="1"/>
-          <a:lstStyle>
-            <a:extLst/>
-          </a:lstStyle>
+          <a:lstStyle/>
           <a:p>
             <a:endParaRPr kumimoji="0" lang="en-US"/>
           </a:p>
@@ -1511,9 +1472,7 @@
         </p:spPr>
         <p:txBody>
           <a:bodyPr vert="horz" wrap="square" lIns="91440" tIns="45720" rIns="91440" bIns="45720" anchor="t" compatLnSpc="1"/>
-          <a:lstStyle>
-            <a:extLst/>
-          </a:lstStyle>
+          <a:lstStyle/>
           <a:p>
             <a:endParaRPr kumimoji="0" lang="en-US"/>
           </a:p>
@@ -1596,9 +1555,7 @@
         </p:spPr>
         <p:txBody>
           <a:bodyPr vert="horz" wrap="square" lIns="91440" tIns="45720" rIns="91440" bIns="45720" anchor="t" compatLnSpc="1"/>
-          <a:lstStyle>
-            <a:extLst/>
-          </a:lstStyle>
+          <a:lstStyle/>
           <a:p>
             <a:endParaRPr kumimoji="0" lang="en-US"/>
           </a:p>
@@ -1681,9 +1638,7 @@
         </p:spPr>
         <p:txBody>
           <a:bodyPr vert="horz" wrap="square" lIns="91440" tIns="45720" rIns="91440" bIns="45720" anchor="t" compatLnSpc="1"/>
-          <a:lstStyle>
-            <a:extLst/>
-          </a:lstStyle>
+          <a:lstStyle/>
           <a:p>
             <a:endParaRPr kumimoji="0" lang="en-US"/>
           </a:p>
@@ -1766,9 +1721,7 @@
         </p:spPr>
         <p:txBody>
           <a:bodyPr vert="horz" wrap="square" lIns="91440" tIns="45720" rIns="91440" bIns="45720" anchor="t" compatLnSpc="1"/>
-          <a:lstStyle>
-            <a:extLst/>
-          </a:lstStyle>
+          <a:lstStyle/>
           <a:p>
             <a:endParaRPr kumimoji="0" lang="en-US"/>
           </a:p>
@@ -1851,9 +1804,7 @@
         </p:spPr>
         <p:txBody>
           <a:bodyPr vert="horz" wrap="square" lIns="91440" tIns="45720" rIns="91440" bIns="45720" anchor="t" compatLnSpc="1"/>
-          <a:lstStyle>
-            <a:extLst/>
-          </a:lstStyle>
+          <a:lstStyle/>
           <a:p>
             <a:endParaRPr kumimoji="0" lang="en-US"/>
           </a:p>
@@ -1936,9 +1887,7 @@
         </p:spPr>
         <p:txBody>
           <a:bodyPr vert="horz" wrap="square" lIns="91440" tIns="45720" rIns="91440" bIns="45720" anchor="t" compatLnSpc="1"/>
-          <a:lstStyle>
-            <a:extLst/>
-          </a:lstStyle>
+          <a:lstStyle/>
           <a:p>
             <a:endParaRPr kumimoji="0" lang="en-US"/>
           </a:p>
@@ -2021,9 +1970,7 @@
         </p:spPr>
         <p:txBody>
           <a:bodyPr vert="horz" wrap="square" lIns="91440" tIns="45720" rIns="91440" bIns="45720" anchor="t" compatLnSpc="1"/>
-          <a:lstStyle>
-            <a:extLst/>
-          </a:lstStyle>
+          <a:lstStyle/>
           <a:p>
             <a:endParaRPr kumimoji="0" lang="en-US"/>
           </a:p>
@@ -2106,9 +2053,7 @@
         </p:spPr>
         <p:txBody>
           <a:bodyPr vert="horz" wrap="square" lIns="91440" tIns="45720" rIns="91440" bIns="45720" anchor="t" compatLnSpc="1"/>
-          <a:lstStyle>
-            <a:extLst/>
-          </a:lstStyle>
+          <a:lstStyle/>
           <a:p>
             <a:endParaRPr kumimoji="0" lang="en-US"/>
           </a:p>
@@ -2191,9 +2136,7 @@
         </p:spPr>
         <p:txBody>
           <a:bodyPr vert="horz" wrap="square" lIns="91440" tIns="45720" rIns="91440" bIns="45720" anchor="t" compatLnSpc="1"/>
-          <a:lstStyle>
-            <a:extLst/>
-          </a:lstStyle>
+          <a:lstStyle/>
           <a:p>
             <a:endParaRPr kumimoji="0" lang="en-US"/>
           </a:p>
@@ -2276,9 +2219,7 @@
         </p:spPr>
         <p:txBody>
           <a:bodyPr vert="horz" wrap="square" lIns="91440" tIns="45720" rIns="91440" bIns="45720" anchor="t" compatLnSpc="1"/>
-          <a:lstStyle>
-            <a:extLst/>
-          </a:lstStyle>
+          <a:lstStyle/>
           <a:p>
             <a:endParaRPr kumimoji="0" lang="en-US"/>
           </a:p>
@@ -2361,9 +2302,7 @@
         </p:spPr>
         <p:txBody>
           <a:bodyPr vert="horz" wrap="square" lIns="91440" tIns="45720" rIns="91440" bIns="45720" anchor="t" compatLnSpc="1"/>
-          <a:lstStyle>
-            <a:extLst/>
-          </a:lstStyle>
+          <a:lstStyle/>
           <a:p>
             <a:endParaRPr kumimoji="0" lang="en-US"/>
           </a:p>
@@ -2446,9 +2385,7 @@
         </p:spPr>
         <p:txBody>
           <a:bodyPr vert="horz" wrap="square" lIns="91440" tIns="45720" rIns="91440" bIns="45720" anchor="t" compatLnSpc="1"/>
-          <a:lstStyle>
-            <a:extLst/>
-          </a:lstStyle>
+          <a:lstStyle/>
           <a:p>
             <a:endParaRPr kumimoji="0" lang="en-US"/>
           </a:p>
@@ -2531,9 +2468,7 @@
         </p:spPr>
         <p:txBody>
           <a:bodyPr vert="horz" wrap="square" lIns="91440" tIns="45720" rIns="91440" bIns="45720" anchor="t" compatLnSpc="1"/>
-          <a:lstStyle>
-            <a:extLst/>
-          </a:lstStyle>
+          <a:lstStyle/>
           <a:p>
             <a:endParaRPr kumimoji="0" lang="en-US"/>
           </a:p>
@@ -2616,9 +2551,7 @@
         </p:spPr>
         <p:txBody>
           <a:bodyPr vert="horz" wrap="square" lIns="91440" tIns="45720" rIns="91440" bIns="45720" anchor="t" compatLnSpc="1"/>
-          <a:lstStyle>
-            <a:extLst/>
-          </a:lstStyle>
+          <a:lstStyle/>
           <a:p>
             <a:endParaRPr kumimoji="0" lang="en-US"/>
           </a:p>
@@ -2698,7 +2631,7 @@
           <a:p>
             <a:pPr lvl="0" eaLnBrk="1" latinLnBrk="0" hangingPunct="1"/>
             <a:r>
-              <a:rPr kumimoji="0" lang="ru-RU" smtClean="0"/>
+              <a:rPr kumimoji="0" lang="ru-RU"/>
               <a:t>Образец текста</a:t>
             </a:r>
           </a:p>
@@ -2717,9 +2650,7 @@
         <p:spPr/>
         <p:txBody>
           <a:bodyPr/>
-          <a:lstStyle>
-            <a:extLst/>
-          </a:lstStyle>
+          <a:lstStyle/>
           <a:p>
             <a:fld id="{B61BEF0D-F0BB-DE4B-95CE-6DB70DBA9567}" type="datetimeFigureOut">
               <a:rPr lang="en-US" smtClean="0"/>
@@ -2743,9 +2674,7 @@
         <p:spPr/>
         <p:txBody>
           <a:bodyPr/>
-          <a:lstStyle>
-            <a:extLst/>
-          </a:lstStyle>
+          <a:lstStyle/>
           <a:p>
             <a:endParaRPr lang="en-US" dirty="0"/>
           </a:p>
@@ -2764,9 +2693,7 @@
         <p:spPr/>
         <p:txBody>
           <a:bodyPr/>
-          <a:lstStyle>
-            <a:extLst/>
-          </a:lstStyle>
+          <a:lstStyle/>
           <a:p>
             <a:fld id="{D57F1E4F-1CFF-5643-939E-217C01CDF565}" type="slidenum">
               <a:rPr lang="en-US" smtClean="0"/>
@@ -2820,9 +2747,7 @@
         </p:style>
         <p:txBody>
           <a:bodyPr anchor="ctr"/>
-          <a:lstStyle>
-            <a:extLst/>
-          </a:lstStyle>
+          <a:lstStyle/>
           <a:p>
             <a:pPr algn="ctr" eaLnBrk="1" latinLnBrk="0" hangingPunct="1"/>
             <a:endParaRPr kumimoji="0" lang="en-US"/>
@@ -2856,7 +2781,7 @@
           </a:lstStyle>
           <a:p>
             <a:r>
-              <a:rPr kumimoji="0" lang="ru-RU" smtClean="0"/>
+              <a:rPr kumimoji="0" lang="ru-RU"/>
               <a:t>Образец заголовка</a:t>
             </a:r>
             <a:endParaRPr kumimoji="0" lang="en-US"/>
@@ -2902,9 +2827,7 @@
         </p:style>
         <p:txBody>
           <a:bodyPr anchor="ctr"/>
-          <a:lstStyle>
-            <a:extLst/>
-          </a:lstStyle>
+          <a:lstStyle/>
           <a:p>
             <a:pPr algn="ctr" eaLnBrk="1" latinLnBrk="0" hangingPunct="1"/>
             <a:endParaRPr kumimoji="0" lang="en-US" dirty="0"/>
@@ -2950,9 +2873,7 @@
         </p:style>
         <p:txBody>
           <a:bodyPr anchor="ctr"/>
-          <a:lstStyle>
-            <a:extLst/>
-          </a:lstStyle>
+          <a:lstStyle/>
           <a:p>
             <a:pPr algn="ctr" eaLnBrk="1" latinLnBrk="0" hangingPunct="1"/>
             <a:endParaRPr kumimoji="0" lang="en-US" dirty="0"/>
@@ -2998,9 +2919,7 @@
         </p:style>
         <p:txBody>
           <a:bodyPr anchor="ctr"/>
-          <a:lstStyle>
-            <a:extLst/>
-          </a:lstStyle>
+          <a:lstStyle/>
           <a:p>
             <a:pPr algn="ctr" eaLnBrk="1" latinLnBrk="0" hangingPunct="1"/>
             <a:endParaRPr kumimoji="0" lang="en-US"/>
@@ -3046,9 +2965,7 @@
         </p:style>
         <p:txBody>
           <a:bodyPr anchor="ctr"/>
-          <a:lstStyle>
-            <a:extLst/>
-          </a:lstStyle>
+          <a:lstStyle/>
           <a:p>
             <a:pPr algn="ctr" eaLnBrk="1" latinLnBrk="0" hangingPunct="1"/>
             <a:endParaRPr kumimoji="0" lang="en-US" dirty="0"/>
@@ -3094,9 +3011,7 @@
         </p:style>
         <p:txBody>
           <a:bodyPr anchor="ctr"/>
-          <a:lstStyle>
-            <a:extLst/>
-          </a:lstStyle>
+          <a:lstStyle/>
           <a:p>
             <a:pPr algn="ctr" eaLnBrk="1" latinLnBrk="0" hangingPunct="1"/>
             <a:endParaRPr kumimoji="0" lang="en-US" dirty="0"/>
@@ -3146,12 +3061,10 @@
         </p:spPr>
         <p:txBody>
           <a:bodyPr/>
-          <a:lstStyle>
-            <a:extLst/>
-          </a:lstStyle>
-          <a:p>
-            <a:r>
-              <a:rPr kumimoji="0" lang="ru-RU" smtClean="0"/>
+          <a:lstStyle/>
+          <a:p>
+            <a:r>
+              <a:rPr kumimoji="0" lang="ru-RU"/>
               <a:t>Образец заголовка</a:t>
             </a:r>
             <a:endParaRPr kumimoji="0" lang="en-US"/>
@@ -3197,35 +3110,35 @@
           <a:p>
             <a:pPr lvl="0" eaLnBrk="1" latinLnBrk="0" hangingPunct="1"/>
             <a:r>
-              <a:rPr lang="ru-RU" smtClean="0"/>
+              <a:rPr lang="ru-RU"/>
               <a:t>Образец текста</a:t>
             </a:r>
           </a:p>
           <a:p>
             <a:pPr lvl="1" eaLnBrk="1" latinLnBrk="0" hangingPunct="1"/>
             <a:r>
-              <a:rPr lang="ru-RU" smtClean="0"/>
+              <a:rPr lang="ru-RU"/>
               <a:t>Второй уровень</a:t>
             </a:r>
           </a:p>
           <a:p>
             <a:pPr lvl="2" eaLnBrk="1" latinLnBrk="0" hangingPunct="1"/>
             <a:r>
-              <a:rPr lang="ru-RU" smtClean="0"/>
+              <a:rPr lang="ru-RU"/>
               <a:t>Третий уровень</a:t>
             </a:r>
           </a:p>
           <a:p>
             <a:pPr lvl="3" eaLnBrk="1" latinLnBrk="0" hangingPunct="1"/>
             <a:r>
-              <a:rPr lang="ru-RU" smtClean="0"/>
+              <a:rPr lang="ru-RU"/>
               <a:t>Четвертый уровень</a:t>
             </a:r>
           </a:p>
           <a:p>
             <a:pPr lvl="4" eaLnBrk="1" latinLnBrk="0" hangingPunct="1"/>
             <a:r>
-              <a:rPr lang="ru-RU" smtClean="0"/>
+              <a:rPr lang="ru-RU"/>
               <a:t>Пятый уровень</a:t>
             </a:r>
             <a:endParaRPr kumimoji="0" lang="en-US"/>
@@ -3271,35 +3184,35 @@
           <a:p>
             <a:pPr lvl="0" eaLnBrk="1" latinLnBrk="0" hangingPunct="1"/>
             <a:r>
-              <a:rPr lang="ru-RU" smtClean="0"/>
+              <a:rPr lang="ru-RU"/>
               <a:t>Образец текста</a:t>
             </a:r>
           </a:p>
           <a:p>
             <a:pPr lvl="1" eaLnBrk="1" latinLnBrk="0" hangingPunct="1"/>
             <a:r>
-              <a:rPr lang="ru-RU" smtClean="0"/>
+              <a:rPr lang="ru-RU"/>
               <a:t>Второй уровень</a:t>
             </a:r>
           </a:p>
           <a:p>
             <a:pPr lvl="2" eaLnBrk="1" latinLnBrk="0" hangingPunct="1"/>
             <a:r>
-              <a:rPr lang="ru-RU" smtClean="0"/>
+              <a:rPr lang="ru-RU"/>
               <a:t>Третий уровень</a:t>
             </a:r>
           </a:p>
           <a:p>
             <a:pPr lvl="3" eaLnBrk="1" latinLnBrk="0" hangingPunct="1"/>
             <a:r>
-              <a:rPr lang="ru-RU" smtClean="0"/>
+              <a:rPr lang="ru-RU"/>
               <a:t>Четвертый уровень</a:t>
             </a:r>
           </a:p>
           <a:p>
             <a:pPr lvl="4" eaLnBrk="1" latinLnBrk="0" hangingPunct="1"/>
             <a:r>
-              <a:rPr lang="ru-RU" smtClean="0"/>
+              <a:rPr lang="ru-RU"/>
               <a:t>Пятый уровень</a:t>
             </a:r>
             <a:endParaRPr kumimoji="0" lang="en-US"/>
@@ -3319,9 +3232,7 @@
         <p:spPr/>
         <p:txBody>
           <a:bodyPr/>
-          <a:lstStyle>
-            <a:extLst/>
-          </a:lstStyle>
+          <a:lstStyle/>
           <a:p>
             <a:fld id="{B61BEF0D-F0BB-DE4B-95CE-6DB70DBA9567}" type="datetimeFigureOut">
               <a:rPr lang="en-US" smtClean="0"/>
@@ -3345,9 +3256,7 @@
         <p:spPr/>
         <p:txBody>
           <a:bodyPr/>
-          <a:lstStyle>
-            <a:extLst/>
-          </a:lstStyle>
+          <a:lstStyle/>
           <a:p>
             <a:endParaRPr lang="en-US" dirty="0"/>
           </a:p>
@@ -3366,9 +3275,7 @@
         <p:spPr/>
         <p:txBody>
           <a:bodyPr/>
-          <a:lstStyle>
-            <a:extLst/>
-          </a:lstStyle>
+          <a:lstStyle/>
           <a:p>
             <a:fld id="{D57F1E4F-1CFF-5643-939E-217C01CDF565}" type="slidenum">
               <a:rPr lang="en-US" smtClean="0"/>
@@ -3447,9 +3354,7 @@
         </p:style>
         <p:txBody>
           <a:bodyPr anchor="ctr"/>
-          <a:lstStyle>
-            <a:extLst/>
-          </a:lstStyle>
+          <a:lstStyle/>
           <a:p>
             <a:pPr algn="ctr" eaLnBrk="1" latinLnBrk="0" hangingPunct="1"/>
             <a:endParaRPr kumimoji="0" lang="en-US"/>
@@ -3482,7 +3387,7 @@
           </a:lstStyle>
           <a:p>
             <a:r>
-              <a:rPr kumimoji="0" lang="ru-RU" smtClean="0"/>
+              <a:rPr kumimoji="0" lang="ru-RU"/>
               <a:t>Образец заголовка</a:t>
             </a:r>
             <a:endParaRPr kumimoji="0" lang="en-US"/>
@@ -3537,7 +3442,7 @@
           <a:p>
             <a:pPr lvl="0" eaLnBrk="1" latinLnBrk="0" hangingPunct="1"/>
             <a:r>
-              <a:rPr kumimoji="0" lang="ru-RU" smtClean="0"/>
+              <a:rPr kumimoji="0" lang="ru-RU"/>
               <a:t>Образец текста</a:t>
             </a:r>
           </a:p>
@@ -3591,7 +3496,7 @@
           <a:p>
             <a:pPr lvl="0" eaLnBrk="1" latinLnBrk="0" hangingPunct="1"/>
             <a:r>
-              <a:rPr kumimoji="0" lang="ru-RU" smtClean="0"/>
+              <a:rPr kumimoji="0" lang="ru-RU"/>
               <a:t>Образец текста</a:t>
             </a:r>
           </a:p>
@@ -3636,35 +3541,35 @@
           <a:p>
             <a:pPr lvl="0" eaLnBrk="1" latinLnBrk="0" hangingPunct="1"/>
             <a:r>
-              <a:rPr lang="ru-RU" smtClean="0"/>
+              <a:rPr lang="ru-RU"/>
               <a:t>Образец текста</a:t>
             </a:r>
           </a:p>
           <a:p>
             <a:pPr lvl="1" eaLnBrk="1" latinLnBrk="0" hangingPunct="1"/>
             <a:r>
-              <a:rPr lang="ru-RU" smtClean="0"/>
+              <a:rPr lang="ru-RU"/>
               <a:t>Второй уровень</a:t>
             </a:r>
           </a:p>
           <a:p>
             <a:pPr lvl="2" eaLnBrk="1" latinLnBrk="0" hangingPunct="1"/>
             <a:r>
-              <a:rPr lang="ru-RU" smtClean="0"/>
+              <a:rPr lang="ru-RU"/>
               <a:t>Третий уровень</a:t>
             </a:r>
           </a:p>
           <a:p>
             <a:pPr lvl="3" eaLnBrk="1" latinLnBrk="0" hangingPunct="1"/>
             <a:r>
-              <a:rPr lang="ru-RU" smtClean="0"/>
+              <a:rPr lang="ru-RU"/>
               <a:t>Четвертый уровень</a:t>
             </a:r>
           </a:p>
           <a:p>
             <a:pPr lvl="4" eaLnBrk="1" latinLnBrk="0" hangingPunct="1"/>
             <a:r>
-              <a:rPr lang="ru-RU" smtClean="0"/>
+              <a:rPr lang="ru-RU"/>
               <a:t>Пятый уровень</a:t>
             </a:r>
             <a:endParaRPr kumimoji="0" lang="en-US"/>
@@ -3710,35 +3615,35 @@
           <a:p>
             <a:pPr lvl="0" eaLnBrk="1" latinLnBrk="0" hangingPunct="1"/>
             <a:r>
-              <a:rPr lang="ru-RU" smtClean="0"/>
+              <a:rPr lang="ru-RU"/>
               <a:t>Образец текста</a:t>
             </a:r>
           </a:p>
           <a:p>
             <a:pPr lvl="1" eaLnBrk="1" latinLnBrk="0" hangingPunct="1"/>
             <a:r>
-              <a:rPr lang="ru-RU" smtClean="0"/>
+              <a:rPr lang="ru-RU"/>
               <a:t>Второй уровень</a:t>
             </a:r>
           </a:p>
           <a:p>
             <a:pPr lvl="2" eaLnBrk="1" latinLnBrk="0" hangingPunct="1"/>
             <a:r>
-              <a:rPr lang="ru-RU" smtClean="0"/>
+              <a:rPr lang="ru-RU"/>
               <a:t>Третий уровень</a:t>
             </a:r>
           </a:p>
           <a:p>
             <a:pPr lvl="3" eaLnBrk="1" latinLnBrk="0" hangingPunct="1"/>
             <a:r>
-              <a:rPr lang="ru-RU" smtClean="0"/>
+              <a:rPr lang="ru-RU"/>
               <a:t>Четвертый уровень</a:t>
             </a:r>
           </a:p>
           <a:p>
             <a:pPr lvl="4" eaLnBrk="1" latinLnBrk="0" hangingPunct="1"/>
             <a:r>
-              <a:rPr lang="ru-RU" smtClean="0"/>
+              <a:rPr lang="ru-RU"/>
               <a:t>Пятый уровень</a:t>
             </a:r>
             <a:endParaRPr kumimoji="0" lang="en-US"/>
@@ -3758,9 +3663,7 @@
         <p:spPr/>
         <p:txBody>
           <a:bodyPr/>
-          <a:lstStyle>
-            <a:extLst/>
-          </a:lstStyle>
+          <a:lstStyle/>
           <a:p>
             <a:fld id="{B61BEF0D-F0BB-DE4B-95CE-6DB70DBA9567}" type="datetimeFigureOut">
               <a:rPr lang="en-US" smtClean="0"/>
@@ -3784,9 +3687,7 @@
         <p:spPr/>
         <p:txBody>
           <a:bodyPr/>
-          <a:lstStyle>
-            <a:extLst/>
-          </a:lstStyle>
+          <a:lstStyle/>
           <a:p>
             <a:endParaRPr lang="en-US" dirty="0"/>
           </a:p>
@@ -3805,9 +3706,7 @@
         <p:spPr/>
         <p:txBody>
           <a:bodyPr/>
-          <a:lstStyle>
-            <a:extLst/>
-          </a:lstStyle>
+          <a:lstStyle/>
           <a:p>
             <a:fld id="{D57F1E4F-1CFF-5643-939E-217C01CDF565}" type="slidenum">
               <a:rPr lang="en-US" smtClean="0"/>
@@ -3857,9 +3756,7 @@
         </p:style>
         <p:txBody>
           <a:bodyPr anchor="ctr"/>
-          <a:lstStyle>
-            <a:extLst/>
-          </a:lstStyle>
+          <a:lstStyle/>
           <a:p>
             <a:pPr algn="ctr" eaLnBrk="1" latinLnBrk="0" hangingPunct="1"/>
             <a:endParaRPr kumimoji="0" lang="en-US" dirty="0"/>
@@ -3905,9 +3802,7 @@
         </p:style>
         <p:txBody>
           <a:bodyPr anchor="ctr"/>
-          <a:lstStyle>
-            <a:extLst/>
-          </a:lstStyle>
+          <a:lstStyle/>
           <a:p>
             <a:pPr algn="ctr" eaLnBrk="1" latinLnBrk="0" hangingPunct="1"/>
             <a:endParaRPr kumimoji="0" lang="en-US" dirty="0"/>
@@ -3953,9 +3848,7 @@
         </p:style>
         <p:txBody>
           <a:bodyPr anchor="ctr"/>
-          <a:lstStyle>
-            <a:extLst/>
-          </a:lstStyle>
+          <a:lstStyle/>
           <a:p>
             <a:pPr algn="ctr" eaLnBrk="1" latinLnBrk="0" hangingPunct="1"/>
             <a:endParaRPr kumimoji="0" lang="en-US"/>
@@ -4001,9 +3894,7 @@
         </p:style>
         <p:txBody>
           <a:bodyPr anchor="ctr"/>
-          <a:lstStyle>
-            <a:extLst/>
-          </a:lstStyle>
+          <a:lstStyle/>
           <a:p>
             <a:pPr algn="ctr" eaLnBrk="1" latinLnBrk="0" hangingPunct="1"/>
             <a:endParaRPr kumimoji="0" lang="en-US" dirty="0"/>
@@ -4049,9 +3940,7 @@
         </p:style>
         <p:txBody>
           <a:bodyPr anchor="ctr"/>
-          <a:lstStyle>
-            <a:extLst/>
-          </a:lstStyle>
+          <a:lstStyle/>
           <a:p>
             <a:pPr algn="ctr" eaLnBrk="1" latinLnBrk="0" hangingPunct="1"/>
             <a:endParaRPr kumimoji="0" lang="en-US" dirty="0"/>
@@ -4097,9 +3986,7 @@
         </p:style>
         <p:txBody>
           <a:bodyPr anchor="ctr"/>
-          <a:lstStyle>
-            <a:extLst/>
-          </a:lstStyle>
+          <a:lstStyle/>
           <a:p>
             <a:pPr algn="ctr" eaLnBrk="1" latinLnBrk="0" hangingPunct="1"/>
             <a:endParaRPr kumimoji="0" lang="en-US" dirty="0"/>
@@ -4145,9 +4032,7 @@
         </p:style>
         <p:txBody>
           <a:bodyPr anchor="ctr"/>
-          <a:lstStyle>
-            <a:extLst/>
-          </a:lstStyle>
+          <a:lstStyle/>
           <a:p>
             <a:pPr algn="ctr" eaLnBrk="1" latinLnBrk="0" hangingPunct="1"/>
             <a:endParaRPr kumimoji="0" lang="en-US"/>
@@ -4193,9 +4078,7 @@
         </p:style>
         <p:txBody>
           <a:bodyPr anchor="ctr"/>
-          <a:lstStyle>
-            <a:extLst/>
-          </a:lstStyle>
+          <a:lstStyle/>
           <a:p>
             <a:pPr algn="ctr" eaLnBrk="1" latinLnBrk="0" hangingPunct="1"/>
             <a:endParaRPr kumimoji="0" lang="en-US" dirty="0"/>
@@ -4241,9 +4124,7 @@
         </p:style>
         <p:txBody>
           <a:bodyPr anchor="ctr"/>
-          <a:lstStyle>
-            <a:extLst/>
-          </a:lstStyle>
+          <a:lstStyle/>
           <a:p>
             <a:pPr algn="ctr" eaLnBrk="1" latinLnBrk="0" hangingPunct="1"/>
             <a:endParaRPr kumimoji="0" lang="en-US" dirty="0"/>
@@ -4301,7 +4182,7 @@
           </a:lstStyle>
           <a:p>
             <a:r>
-              <a:rPr kumimoji="0" lang="ru-RU" smtClean="0"/>
+              <a:rPr kumimoji="0" lang="ru-RU"/>
               <a:t>Образец заголовка</a:t>
             </a:r>
             <a:endParaRPr kumimoji="0" lang="en-US"/>
@@ -4321,9 +4202,7 @@
         <p:spPr/>
         <p:txBody>
           <a:bodyPr/>
-          <a:lstStyle>
-            <a:extLst/>
-          </a:lstStyle>
+          <a:lstStyle/>
           <a:p>
             <a:fld id="{B61BEF0D-F0BB-DE4B-95CE-6DB70DBA9567}" type="datetimeFigureOut">
               <a:rPr lang="en-US" smtClean="0"/>
@@ -4347,9 +4226,7 @@
         <p:spPr/>
         <p:txBody>
           <a:bodyPr/>
-          <a:lstStyle>
-            <a:extLst/>
-          </a:lstStyle>
+          <a:lstStyle/>
           <a:p>
             <a:endParaRPr lang="en-US" dirty="0"/>
           </a:p>
@@ -4368,9 +4245,7 @@
         <p:spPr/>
         <p:txBody>
           <a:bodyPr/>
-          <a:lstStyle>
-            <a:extLst/>
-          </a:lstStyle>
+          <a:lstStyle/>
           <a:p>
             <a:fld id="{D57F1E4F-1CFF-5643-939E-217C01CDF565}" type="slidenum">
               <a:rPr lang="en-US" smtClean="0"/>
@@ -4419,9 +4294,7 @@
         <p:spPr/>
         <p:txBody>
           <a:bodyPr/>
-          <a:lstStyle>
-            <a:extLst/>
-          </a:lstStyle>
+          <a:lstStyle/>
           <a:p>
             <a:fld id="{B61BEF0D-F0BB-DE4B-95CE-6DB70DBA9567}" type="datetimeFigureOut">
               <a:rPr lang="en-US" smtClean="0"/>
@@ -4445,9 +4318,7 @@
         <p:spPr/>
         <p:txBody>
           <a:bodyPr/>
-          <a:lstStyle>
-            <a:extLst/>
-          </a:lstStyle>
+          <a:lstStyle/>
           <a:p>
             <a:endParaRPr lang="en-US" dirty="0"/>
           </a:p>
@@ -4466,9 +4337,7 @@
         <p:spPr/>
         <p:txBody>
           <a:bodyPr/>
-          <a:lstStyle>
-            <a:extLst/>
-          </a:lstStyle>
+          <a:lstStyle/>
           <a:p>
             <a:fld id="{D57F1E4F-1CFF-5643-939E-217C01CDF565}" type="slidenum">
               <a:rPr lang="en-US" smtClean="0"/>
@@ -4531,7 +4400,7 @@
           </a:lstStyle>
           <a:p>
             <a:r>
-              <a:rPr kumimoji="0" lang="ru-RU" smtClean="0"/>
+              <a:rPr kumimoji="0" lang="ru-RU"/>
               <a:t>Образец заголовка</a:t>
             </a:r>
             <a:endParaRPr kumimoji="0" lang="en-US"/>
@@ -4582,7 +4451,7 @@
           <a:p>
             <a:pPr lvl="0" eaLnBrk="1" latinLnBrk="0" hangingPunct="1"/>
             <a:r>
-              <a:rPr kumimoji="0" lang="ru-RU" smtClean="0"/>
+              <a:rPr kumimoji="0" lang="ru-RU"/>
               <a:t>Образец текста</a:t>
             </a:r>
           </a:p>
@@ -4627,35 +4496,35 @@
           <a:p>
             <a:pPr lvl="0" eaLnBrk="1" latinLnBrk="0" hangingPunct="1"/>
             <a:r>
-              <a:rPr lang="ru-RU" smtClean="0"/>
+              <a:rPr lang="ru-RU"/>
               <a:t>Образец текста</a:t>
             </a:r>
           </a:p>
           <a:p>
             <a:pPr lvl="1" eaLnBrk="1" latinLnBrk="0" hangingPunct="1"/>
             <a:r>
-              <a:rPr lang="ru-RU" smtClean="0"/>
+              <a:rPr lang="ru-RU"/>
               <a:t>Второй уровень</a:t>
             </a:r>
           </a:p>
           <a:p>
             <a:pPr lvl="2" eaLnBrk="1" latinLnBrk="0" hangingPunct="1"/>
             <a:r>
-              <a:rPr lang="ru-RU" smtClean="0"/>
+              <a:rPr lang="ru-RU"/>
               <a:t>Третий уровень</a:t>
             </a:r>
           </a:p>
           <a:p>
             <a:pPr lvl="3" eaLnBrk="1" latinLnBrk="0" hangingPunct="1"/>
             <a:r>
-              <a:rPr lang="ru-RU" smtClean="0"/>
+              <a:rPr lang="ru-RU"/>
               <a:t>Четвертый уровень</a:t>
             </a:r>
           </a:p>
           <a:p>
             <a:pPr lvl="4" eaLnBrk="1" latinLnBrk="0" hangingPunct="1"/>
             <a:r>
-              <a:rPr lang="ru-RU" smtClean="0"/>
+              <a:rPr lang="ru-RU"/>
               <a:t>Пятый уровень</a:t>
             </a:r>
             <a:endParaRPr kumimoji="0" lang="en-US"/>
@@ -4675,9 +4544,7 @@
         <p:spPr/>
         <p:txBody>
           <a:bodyPr/>
-          <a:lstStyle>
-            <a:extLst/>
-          </a:lstStyle>
+          <a:lstStyle/>
           <a:p>
             <a:fld id="{B61BEF0D-F0BB-DE4B-95CE-6DB70DBA9567}" type="datetimeFigureOut">
               <a:rPr lang="en-US" smtClean="0"/>
@@ -4701,9 +4568,7 @@
         <p:spPr/>
         <p:txBody>
           <a:bodyPr/>
-          <a:lstStyle>
-            <a:extLst/>
-          </a:lstStyle>
+          <a:lstStyle/>
           <a:p>
             <a:endParaRPr lang="en-US" dirty="0"/>
           </a:p>
@@ -4722,9 +4587,7 @@
         <p:spPr/>
         <p:txBody>
           <a:bodyPr/>
-          <a:lstStyle>
-            <a:extLst/>
-          </a:lstStyle>
+          <a:lstStyle/>
           <a:p>
             <a:fld id="{D57F1E4F-1CFF-5643-939E-217C01CDF565}" type="slidenum">
               <a:rPr lang="en-US" smtClean="0"/>
@@ -4801,9 +4664,7 @@
         </p:style>
         <p:txBody>
           <a:bodyPr anchor="ctr"/>
-          <a:lstStyle>
-            <a:extLst/>
-          </a:lstStyle>
+          <a:lstStyle/>
           <a:p>
             <a:pPr algn="ctr" eaLnBrk="1" latinLnBrk="0" hangingPunct="1"/>
             <a:endParaRPr kumimoji="0" lang="en-US"/>
@@ -5013,7 +4874,7 @@
           </a:lstStyle>
           <a:p>
             <a:r>
-              <a:rPr kumimoji="0" lang="ru-RU" smtClean="0"/>
+              <a:rPr kumimoji="0" lang="ru-RU"/>
               <a:t>Образец заголовка</a:t>
             </a:r>
             <a:endParaRPr kumimoji="0" lang="en-US"/>
@@ -5050,7 +4911,7 @@
           </a:lstStyle>
           <a:p>
             <a:r>
-              <a:rPr kumimoji="0" lang="ru-RU" smtClean="0"/>
+              <a:rPr kumimoji="0" lang="ru-RU"/>
               <a:t>Вставка рисунка</a:t>
             </a:r>
             <a:endParaRPr kumimoji="0" lang="en-US"/>
@@ -5104,7 +4965,7 @@
           <a:p>
             <a:pPr lvl="0" eaLnBrk="1" latinLnBrk="0" hangingPunct="1"/>
             <a:r>
-              <a:rPr kumimoji="0" lang="ru-RU" smtClean="0"/>
+              <a:rPr kumimoji="0" lang="ru-RU"/>
               <a:t>Образец текста</a:t>
             </a:r>
           </a:p>
@@ -5398,9 +5259,7 @@
         </p:spPr>
         <p:txBody>
           <a:bodyPr/>
-          <a:lstStyle>
-            <a:extLst/>
-          </a:lstStyle>
+          <a:lstStyle/>
           <a:p>
             <a:fld id="{B61BEF0D-F0BB-DE4B-95CE-6DB70DBA9567}" type="datetimeFigureOut">
               <a:rPr lang="en-US" smtClean="0"/>
@@ -5429,9 +5288,7 @@
         </p:spPr>
         <p:txBody>
           <a:bodyPr/>
-          <a:lstStyle>
-            <a:extLst/>
-          </a:lstStyle>
+          <a:lstStyle/>
           <a:p>
             <a:endParaRPr lang="en-US" dirty="0"/>
           </a:p>
@@ -5455,9 +5312,7 @@
         </p:spPr>
         <p:txBody>
           <a:bodyPr/>
-          <a:lstStyle>
-            <a:extLst/>
-          </a:lstStyle>
+          <a:lstStyle/>
           <a:p>
             <a:fld id="{D57F1E4F-1CFF-5643-939E-217C01CDF565}" type="slidenum">
               <a:rPr lang="en-US" smtClean="0"/>
@@ -5539,9 +5394,7 @@
         </p:style>
         <p:txBody>
           <a:bodyPr anchor="ctr"/>
-          <a:lstStyle>
-            <a:extLst/>
-          </a:lstStyle>
+          <a:lstStyle/>
           <a:p>
             <a:pPr algn="ctr" eaLnBrk="1" latinLnBrk="0" hangingPunct="1"/>
             <a:endParaRPr kumimoji="0" lang="en-US"/>
@@ -5589,9 +5442,7 @@
         </p:style>
         <p:txBody>
           <a:bodyPr anchor="ctr"/>
-          <a:lstStyle>
-            <a:extLst/>
-          </a:lstStyle>
+          <a:lstStyle/>
           <a:p>
             <a:pPr algn="ctr" eaLnBrk="1" latinLnBrk="0" hangingPunct="1"/>
             <a:endParaRPr kumimoji="0" lang="en-US"/>
@@ -5639,9 +5490,7 @@
         </p:style>
         <p:txBody>
           <a:bodyPr anchor="ctr"/>
-          <a:lstStyle>
-            <a:extLst/>
-          </a:lstStyle>
+          <a:lstStyle/>
           <a:p>
             <a:pPr algn="ctr" eaLnBrk="1" latinLnBrk="0" hangingPunct="1"/>
             <a:endParaRPr kumimoji="0" lang="en-US"/>
@@ -5687,9 +5536,7 @@
         </p:style>
         <p:txBody>
           <a:bodyPr anchor="ctr"/>
-          <a:lstStyle>
-            <a:extLst/>
-          </a:lstStyle>
+          <a:lstStyle/>
           <a:p>
             <a:pPr algn="ctr" eaLnBrk="1" latinLnBrk="0" hangingPunct="1"/>
             <a:endParaRPr kumimoji="0" lang="en-US"/>
@@ -5737,9 +5584,7 @@
         </p:style>
         <p:txBody>
           <a:bodyPr anchor="ctr"/>
-          <a:lstStyle>
-            <a:extLst/>
-          </a:lstStyle>
+          <a:lstStyle/>
           <a:p>
             <a:pPr algn="ctr" eaLnBrk="1" latinLnBrk="0" hangingPunct="1"/>
             <a:endParaRPr kumimoji="0" lang="en-US" dirty="0"/>
@@ -5787,9 +5632,7 @@
         </p:style>
         <p:txBody>
           <a:bodyPr anchor="ctr"/>
-          <a:lstStyle>
-            <a:extLst/>
-          </a:lstStyle>
+          <a:lstStyle/>
           <a:p>
             <a:pPr algn="ctr" eaLnBrk="1" latinLnBrk="0" hangingPunct="1"/>
             <a:endParaRPr kumimoji="0" lang="en-US" dirty="0"/>
@@ -5837,9 +5680,7 @@
         </p:style>
         <p:txBody>
           <a:bodyPr anchor="ctr"/>
-          <a:lstStyle>
-            <a:extLst/>
-          </a:lstStyle>
+          <a:lstStyle/>
           <a:p>
             <a:pPr algn="ctr" eaLnBrk="1" latinLnBrk="0" hangingPunct="1"/>
             <a:endParaRPr kumimoji="0" lang="en-US" dirty="0"/>
@@ -5887,9 +5728,7 @@
         </p:style>
         <p:txBody>
           <a:bodyPr anchor="ctr"/>
-          <a:lstStyle>
-            <a:extLst/>
-          </a:lstStyle>
+          <a:lstStyle/>
           <a:p>
             <a:pPr algn="ctr" eaLnBrk="1" latinLnBrk="0" hangingPunct="1"/>
             <a:endParaRPr kumimoji="0" lang="en-US"/>
@@ -5937,9 +5776,7 @@
         </p:style>
         <p:txBody>
           <a:bodyPr anchor="ctr"/>
-          <a:lstStyle>
-            <a:extLst/>
-          </a:lstStyle>
+          <a:lstStyle/>
           <a:p>
             <a:pPr algn="ctr" eaLnBrk="1" latinLnBrk="0" hangingPunct="1"/>
             <a:endParaRPr kumimoji="0" lang="en-US" dirty="0"/>
@@ -5969,12 +5806,10 @@
           <a:bodyPr vert="horz" anchor="t">
             <a:noAutofit/>
           </a:bodyPr>
-          <a:lstStyle>
-            <a:extLst/>
-          </a:lstStyle>
-          <a:p>
-            <a:r>
-              <a:rPr kumimoji="0" lang="ru-RU" smtClean="0"/>
+          <a:lstStyle/>
+          <a:p>
+            <a:r>
+              <a:rPr kumimoji="0" lang="ru-RU"/>
               <a:t>Образец заголовка</a:t>
             </a:r>
             <a:endParaRPr kumimoji="0" lang="en-US"/>
@@ -6004,41 +5839,39 @@
           <a:bodyPr vert="horz">
             <a:normAutofit/>
           </a:bodyPr>
-          <a:lstStyle>
-            <a:extLst/>
-          </a:lstStyle>
+          <a:lstStyle/>
           <a:p>
             <a:pPr lvl="0" eaLnBrk="1" latinLnBrk="0" hangingPunct="1"/>
             <a:r>
-              <a:rPr kumimoji="0" lang="ru-RU" smtClean="0"/>
+              <a:rPr kumimoji="0" lang="ru-RU"/>
               <a:t>Образец текста</a:t>
             </a:r>
           </a:p>
           <a:p>
             <a:pPr lvl="1" eaLnBrk="1" latinLnBrk="0" hangingPunct="1"/>
             <a:r>
-              <a:rPr kumimoji="0" lang="ru-RU" smtClean="0"/>
+              <a:rPr kumimoji="0" lang="ru-RU"/>
               <a:t>Второй уровень</a:t>
             </a:r>
           </a:p>
           <a:p>
             <a:pPr lvl="2" eaLnBrk="1" latinLnBrk="0" hangingPunct="1"/>
             <a:r>
-              <a:rPr kumimoji="0" lang="ru-RU" smtClean="0"/>
+              <a:rPr kumimoji="0" lang="ru-RU"/>
               <a:t>Третий уровень</a:t>
             </a:r>
           </a:p>
           <a:p>
             <a:pPr lvl="3" eaLnBrk="1" latinLnBrk="0" hangingPunct="1"/>
             <a:r>
-              <a:rPr kumimoji="0" lang="ru-RU" smtClean="0"/>
+              <a:rPr kumimoji="0" lang="ru-RU"/>
               <a:t>Четвертый уровень</a:t>
             </a:r>
           </a:p>
           <a:p>
             <a:pPr lvl="4" eaLnBrk="1" latinLnBrk="0" hangingPunct="1"/>
             <a:r>
-              <a:rPr kumimoji="0" lang="ru-RU" smtClean="0"/>
+              <a:rPr kumimoji="0" lang="ru-RU"/>
               <a:t>Пятый уровень</a:t>
             </a:r>
             <a:endParaRPr kumimoji="0" lang="en-US"/>
@@ -6503,10 +6336,9 @@
           <a:lstStyle/>
           <a:p>
             <a:r>
-              <a:rPr lang="ru-RU" b="1" dirty="0" smtClean="0"/>
+              <a:rPr lang="ru-RU" b="1" dirty="0"/>
               <a:t>Проект «Навык для голосового помощника Алиса»</a:t>
             </a:r>
-            <a:endParaRPr lang="ru-RU" b="1" dirty="0"/>
           </a:p>
         </p:txBody>
       </p:sp>
@@ -6531,23 +6363,15 @@
           <a:lstStyle/>
           <a:p>
             <a:r>
-              <a:rPr lang="ru-RU" dirty="0" smtClean="0">
+              <a:rPr lang="ru-RU" dirty="0">
                 <a:solidFill>
                   <a:schemeClr val="tx1"/>
                 </a:solidFill>
               </a:rPr>
-              <a:t>Над проектом работали: Шидловский </a:t>
-            </a:r>
-            <a:r>
-              <a:rPr lang="ru-RU" dirty="0" smtClean="0">
-                <a:solidFill>
-                  <a:schemeClr val="tx1"/>
-                </a:solidFill>
-              </a:rPr>
-              <a:t>Никита</a:t>
-            </a:r>
-            <a:r>
-              <a:rPr lang="en-US" dirty="0" smtClean="0">
+              <a:t>Над проектом работали: Шидловский Никита</a:t>
+            </a:r>
+            <a:r>
+              <a:rPr lang="en-US" dirty="0">
                 <a:solidFill>
                   <a:schemeClr val="tx1"/>
                 </a:solidFill>
@@ -6555,7 +6379,7 @@
               <a:t> (</a:t>
             </a:r>
             <a:r>
-              <a:rPr lang="en-US" dirty="0" smtClean="0">
+              <a:rPr lang="en-US" dirty="0">
                 <a:solidFill>
                   <a:schemeClr val="tx1"/>
                 </a:solidFill>
@@ -6564,7 +6388,7 @@
               <a:t>1TheNikita</a:t>
             </a:r>
             <a:r>
-              <a:rPr lang="en-US" dirty="0" smtClean="0">
+              <a:rPr lang="en-US" dirty="0">
                 <a:solidFill>
                   <a:schemeClr val="tx1"/>
                 </a:solidFill>
@@ -6572,7 +6396,7 @@
               <a:t>)</a:t>
             </a:r>
             <a:r>
-              <a:rPr lang="ru-RU" dirty="0" smtClean="0">
+              <a:rPr lang="ru-RU" dirty="0">
                 <a:solidFill>
                   <a:schemeClr val="tx1"/>
                 </a:solidFill>
@@ -6580,7 +6404,7 @@
               <a:t>, </a:t>
             </a:r>
             <a:r>
-              <a:rPr lang="ru-RU" dirty="0" err="1" smtClean="0">
+              <a:rPr lang="ru-RU" dirty="0" err="1">
                 <a:solidFill>
                   <a:schemeClr val="tx1"/>
                 </a:solidFill>
@@ -6588,7 +6412,7 @@
               <a:t>Брылев</a:t>
             </a:r>
             <a:r>
-              <a:rPr lang="ru-RU" dirty="0" smtClean="0">
+              <a:rPr lang="ru-RU" dirty="0">
                 <a:solidFill>
                   <a:schemeClr val="tx1"/>
                 </a:solidFill>
@@ -6596,7 +6420,7 @@
               <a:t> </a:t>
             </a:r>
             <a:r>
-              <a:rPr lang="ru-RU" dirty="0" err="1" smtClean="0">
+              <a:rPr lang="ru-RU" dirty="0" err="1">
                 <a:solidFill>
                   <a:schemeClr val="tx1"/>
                 </a:solidFill>
@@ -6604,7 +6428,7 @@
               <a:t>Артемий</a:t>
             </a:r>
             <a:r>
-              <a:rPr lang="en-US" dirty="0" smtClean="0">
+              <a:rPr lang="en-US" dirty="0">
                 <a:solidFill>
                   <a:schemeClr val="tx1"/>
                 </a:solidFill>
@@ -6612,13 +6436,13 @@
               <a:t> (</a:t>
             </a:r>
             <a:r>
-              <a:rPr lang="en-US" dirty="0" smtClean="0">
+              <a:rPr lang="en-US" dirty="0">
                 <a:hlinkClick r:id="rId3"/>
               </a:rPr>
               <a:t>ShiZZik</a:t>
             </a:r>
             <a:r>
-              <a:rPr lang="en-US" dirty="0" smtClean="0">
+              <a:rPr lang="en-US" dirty="0">
                 <a:solidFill>
                   <a:schemeClr val="tx1"/>
                 </a:solidFill>
@@ -6626,31 +6450,15 @@
               <a:t>)</a:t>
             </a:r>
             <a:r>
-              <a:rPr lang="ru-RU" dirty="0" smtClean="0">
+              <a:rPr lang="ru-RU" dirty="0">
                 <a:solidFill>
                   <a:schemeClr val="tx1"/>
                 </a:solidFill>
               </a:rPr>
-              <a:t>, </a:t>
-            </a:r>
-            <a:r>
-              <a:rPr lang="ru-RU" dirty="0" smtClean="0">
-                <a:solidFill>
-                  <a:schemeClr val="tx1"/>
-                </a:solidFill>
-              </a:rPr>
-              <a:t>Поляков </a:t>
-            </a:r>
-            <a:r>
-              <a:rPr lang="ru-RU" dirty="0" smtClean="0">
-                <a:solidFill>
-                  <a:schemeClr val="tx1"/>
-                </a:solidFill>
-              </a:rPr>
-              <a:t>Дмитрий</a:t>
-            </a:r>
-            <a:r>
-              <a:rPr lang="en-US" dirty="0" smtClean="0">
+              <a:t>, Поляков Дмитрий</a:t>
+            </a:r>
+            <a:r>
+              <a:rPr lang="en-US" dirty="0">
                 <a:solidFill>
                   <a:schemeClr val="tx1"/>
                 </a:solidFill>
@@ -6658,17 +6466,17 @@
               <a:t> </a:t>
             </a:r>
             <a:r>
-              <a:rPr lang="en-US" dirty="0" smtClean="0"/>
+              <a:rPr lang="en-US" dirty="0"/>
               <a:t>(</a:t>
             </a:r>
             <a:r>
-              <a:rPr lang="en-US" dirty="0" smtClean="0">
+              <a:rPr lang="en-US" dirty="0">
                 <a:hlinkClick r:id="rId4"/>
               </a:rPr>
               <a:t>f1alka</a:t>
             </a:r>
             <a:r>
-              <a:rPr lang="en-US" dirty="0" smtClean="0"/>
+              <a:rPr lang="en-US" dirty="0"/>
               <a:t>)</a:t>
             </a:r>
             <a:endParaRPr lang="ru-RU" dirty="0">
@@ -6682,7 +6490,7 @@
     </p:spTree>
     <p:extLst>
       <p:ext uri="{BB962C8B-B14F-4D97-AF65-F5344CB8AC3E}">
-        <p14:creationId xmlns:p14="http://schemas.microsoft.com/office/powerpoint/2010/main" xmlns="" val="489628113"/>
+        <p14:creationId xmlns:p14="http://schemas.microsoft.com/office/powerpoint/2010/main" val="489628113"/>
       </p:ext>
     </p:extLst>
   </p:cSld>
@@ -6692,13 +6500,6 @@
   <p:transition>
     <p:dissolve/>
   </p:transition>
-  <p:timing>
-    <p:tnLst>
-      <p:par>
-        <p:cTn id="1" dur="indefinite" restart="never" nodeType="tmRoot"/>
-      </p:par>
-    </p:tnLst>
-  </p:timing>
 </p:sld>
 </file>
 
@@ -6806,22 +6607,21 @@
           <a:lstStyle/>
           <a:p>
             <a:r>
-              <a:rPr lang="ru-RU" dirty="0" smtClean="0"/>
+              <a:rPr lang="ru-RU" dirty="0"/>
               <a:t>Функция </a:t>
             </a:r>
             <a:r>
-              <a:rPr lang="en-US" dirty="0" err="1" smtClean="0"/>
+              <a:rPr lang="en-US" dirty="0" err="1"/>
               <a:t>handle_dialog</a:t>
             </a:r>
             <a:r>
-              <a:rPr lang="en-US" dirty="0" smtClean="0"/>
+              <a:rPr lang="en-US" dirty="0"/>
               <a:t> </a:t>
             </a:r>
             <a:r>
-              <a:rPr lang="ru-RU" dirty="0" smtClean="0"/>
+              <a:rPr lang="ru-RU" dirty="0"/>
               <a:t>является основной веткой кода, где функция вначале знакомится с игроком, а затем начинается сама игра.</a:t>
             </a:r>
-            <a:endParaRPr lang="ru-RU" dirty="0"/>
           </a:p>
         </p:txBody>
       </p:sp>
@@ -6833,13 +6633,6 @@
   <p:transition>
     <p:checker dir="vert"/>
   </p:transition>
-  <p:timing>
-    <p:tnLst>
-      <p:par>
-        <p:cTn id="1" dur="indefinite" restart="never" nodeType="tmRoot"/>
-      </p:par>
-    </p:tnLst>
-  </p:timing>
 </p:sld>
 </file>
 
@@ -6947,18 +6740,17 @@
           <a:lstStyle/>
           <a:p>
             <a:r>
-              <a:rPr lang="ru-RU" dirty="0" smtClean="0"/>
+              <a:rPr lang="ru-RU" dirty="0"/>
               <a:t>Саму игру запускает функция </a:t>
             </a:r>
             <a:r>
-              <a:rPr lang="en-US" dirty="0" err="1" smtClean="0"/>
+              <a:rPr lang="en-US" dirty="0" err="1"/>
               <a:t>play_game</a:t>
             </a:r>
             <a:r>
-              <a:rPr lang="ru-RU" dirty="0" smtClean="0"/>
+              <a:rPr lang="ru-RU" dirty="0"/>
               <a:t>, которая выводит картинки в ответе и подсчитывает попытки. В случае ошибки пользователя выводится дополнительное фото.</a:t>
             </a:r>
-            <a:endParaRPr lang="ru-RU" dirty="0"/>
           </a:p>
         </p:txBody>
       </p:sp>
@@ -6970,13 +6762,6 @@
   <p:transition>
     <p:strips/>
   </p:transition>
-  <p:timing>
-    <p:tnLst>
-      <p:par>
-        <p:cTn id="1" dur="indefinite" restart="never" nodeType="tmRoot"/>
-      </p:par>
-    </p:tnLst>
-  </p:timing>
 </p:sld>
 </file>
 
@@ -7018,10 +6803,9 @@
           <a:lstStyle/>
           <a:p>
             <a:r>
-              <a:rPr lang="ru-RU" dirty="0" smtClean="0"/>
+              <a:rPr lang="ru-RU" dirty="0"/>
               <a:t>Проект в будущем</a:t>
             </a:r>
-            <a:endParaRPr lang="ru-RU" dirty="0"/>
           </a:p>
         </p:txBody>
       </p:sp>
@@ -7046,29 +6830,29 @@
           <a:lstStyle/>
           <a:p>
             <a:r>
-              <a:rPr lang="ru-RU" dirty="0" smtClean="0"/>
+              <a:rPr lang="ru-RU" dirty="0"/>
               <a:t>Сделать из обычного теста – </a:t>
             </a:r>
             <a:r>
-              <a:rPr lang="ru-RU" dirty="0" err="1" smtClean="0"/>
+              <a:rPr lang="ru-RU" dirty="0" err="1"/>
               <a:t>квест</a:t>
             </a:r>
-            <a:endParaRPr lang="ru-RU" dirty="0" smtClean="0"/>
-          </a:p>
-          <a:p>
-            <a:r>
-              <a:rPr lang="ru-RU" dirty="0" smtClean="0"/>
+            <a:endParaRPr lang="ru-RU" dirty="0"/>
+          </a:p>
+          <a:p>
+            <a:r>
+              <a:rPr lang="ru-RU" dirty="0"/>
               <a:t>Доработать работа с </a:t>
             </a:r>
             <a:r>
-              <a:rPr lang="en-US" dirty="0" smtClean="0"/>
+              <a:rPr lang="en-US" dirty="0"/>
               <a:t>API</a:t>
             </a:r>
-            <a:endParaRPr lang="ru-RU" dirty="0" smtClean="0"/>
-          </a:p>
-          <a:p>
-            <a:r>
-              <a:rPr lang="ru-RU" dirty="0" smtClean="0"/>
+            <a:endParaRPr lang="ru-RU" dirty="0"/>
+          </a:p>
+          <a:p>
+            <a:r>
+              <a:rPr lang="ru-RU" dirty="0"/>
               <a:t>Сделать статистику с результатами ведущих игроков</a:t>
             </a:r>
           </a:p>
@@ -7080,7 +6864,7 @@
     </p:spTree>
     <p:extLst>
       <p:ext uri="{BB962C8B-B14F-4D97-AF65-F5344CB8AC3E}">
-        <p14:creationId xmlns:p14="http://schemas.microsoft.com/office/powerpoint/2010/main" xmlns="" val="887774321"/>
+        <p14:creationId xmlns:p14="http://schemas.microsoft.com/office/powerpoint/2010/main" val="887774321"/>
       </p:ext>
     </p:extLst>
   </p:cSld>
@@ -7090,13 +6874,6 @@
   <p:transition>
     <p:pull dir="d"/>
   </p:transition>
-  <p:timing>
-    <p:tnLst>
-      <p:par>
-        <p:cTn id="1" dur="indefinite" restart="never" nodeType="tmRoot"/>
-      </p:par>
-    </p:tnLst>
-  </p:timing>
 </p:sld>
 </file>
 
@@ -7210,7 +6987,7 @@
     </p:spTree>
     <p:extLst>
       <p:ext uri="{BB962C8B-B14F-4D97-AF65-F5344CB8AC3E}">
-        <p14:creationId xmlns:p14="http://schemas.microsoft.com/office/powerpoint/2010/main" xmlns="" val="565513897"/>
+        <p14:creationId xmlns:p14="http://schemas.microsoft.com/office/powerpoint/2010/main" val="565513897"/>
       </p:ext>
     </p:extLst>
   </p:cSld>
@@ -7220,6 +6997,238 @@
   <p:transition>
     <p:comb/>
   </p:transition>
+</p:sld>
+</file>
+
+<file path=ppt/slides/slide14.xml><?xml version="1.0" encoding="utf-8"?>
+<p:sld xmlns:a="http://schemas.openxmlformats.org/drawingml/2006/main" xmlns:r="http://schemas.openxmlformats.org/officeDocument/2006/relationships" xmlns:p="http://schemas.openxmlformats.org/presentationml/2006/main">
+  <p:cSld>
+    <p:spTree>
+      <p:nvGrpSpPr>
+        <p:cNvPr id="1" name=""/>
+        <p:cNvGrpSpPr/>
+        <p:nvPr/>
+      </p:nvGrpSpPr>
+      <p:grpSpPr>
+        <a:xfrm>
+          <a:off x="0" y="0"/>
+          <a:ext cx="0" cy="0"/>
+          <a:chOff x="0" y="0"/>
+          <a:chExt cx="0" cy="0"/>
+        </a:xfrm>
+      </p:grpSpPr>
+      <p:sp>
+        <p:nvSpPr>
+          <p:cNvPr id="2" name="Заголовок 1">
+            <a:extLst>
+              <a:ext uri="{FF2B5EF4-FFF2-40B4-BE49-F238E27FC236}">
+                <a16:creationId xmlns:a16="http://schemas.microsoft.com/office/drawing/2014/main" id="{1EA40930-E07B-43F9-9AE3-71293FE94C72}"/>
+              </a:ext>
+            </a:extLst>
+          </p:cNvPr>
+          <p:cNvSpPr>
+            <a:spLocks noGrp="1"/>
+          </p:cNvSpPr>
+          <p:nvPr>
+            <p:ph type="title"/>
+          </p:nvPr>
+        </p:nvSpPr>
+        <p:spPr/>
+        <p:txBody>
+          <a:bodyPr/>
+          <a:lstStyle/>
+          <a:p>
+            <a:endParaRPr lang="ru-RU"/>
+          </a:p>
+        </p:txBody>
+      </p:sp>
+      <p:pic>
+        <p:nvPicPr>
+          <p:cNvPr id="4" name="ты слава мерлоу_">
+            <a:hlinkClick r:id="" action="ppaction://media"/>
+            <a:extLst>
+              <a:ext uri="{FF2B5EF4-FFF2-40B4-BE49-F238E27FC236}">
+                <a16:creationId xmlns:a16="http://schemas.microsoft.com/office/drawing/2014/main" id="{4AD0F3F6-31C9-4E6B-A395-B23ECFFC7467}"/>
+              </a:ext>
+            </a:extLst>
+          </p:cNvPr>
+          <p:cNvPicPr>
+            <a:picLocks noGrp="1" noChangeAspect="1"/>
+          </p:cNvPicPr>
+          <p:nvPr>
+            <p:ph idx="1"/>
+            <a:videoFile r:link="rId2"/>
+            <p:extLst>
+              <p:ext uri="{DAA4B4D4-6D71-4841-9C94-3DE7FCFB9230}">
+                <p14:media xmlns:p14="http://schemas.microsoft.com/office/powerpoint/2010/main" r:embed="rId1"/>
+              </p:ext>
+            </p:extLst>
+          </p:nvPr>
+        </p:nvPicPr>
+        <p:blipFill>
+          <a:blip r:embed="rId4"/>
+          <a:stretch>
+            <a:fillRect/>
+          </a:stretch>
+        </p:blipFill>
+        <p:spPr>
+          <a:xfrm>
+            <a:off x="0" y="-460706"/>
+            <a:ext cx="12192000" cy="8246384"/>
+          </a:xfrm>
+        </p:spPr>
+      </p:pic>
+    </p:spTree>
+    <p:extLst>
+      <p:ext uri="{BB962C8B-B14F-4D97-AF65-F5344CB8AC3E}">
+        <p14:creationId xmlns:p14="http://schemas.microsoft.com/office/powerpoint/2010/main" val="3068688920"/>
+      </p:ext>
+    </p:extLst>
+  </p:cSld>
+  <p:clrMapOvr>
+    <a:masterClrMapping/>
+  </p:clrMapOvr>
+  <p:transition spd="slow">
+    <p:randomBar dir="vert"/>
+  </p:transition>
+  <p:timing>
+    <p:tnLst>
+      <p:par>
+        <p:cTn id="1" dur="indefinite" restart="never" nodeType="tmRoot">
+          <p:childTnLst>
+            <p:seq concurrent="1" nextAc="seek">
+              <p:cTn id="2" dur="indefinite" nodeType="mainSeq">
+                <p:childTnLst>
+                  <p:par>
+                    <p:cTn id="3" fill="hold">
+                      <p:stCondLst>
+                        <p:cond delay="indefinite"/>
+                        <p:cond evt="onBegin" delay="0">
+                          <p:tn val="2"/>
+                        </p:cond>
+                      </p:stCondLst>
+                      <p:childTnLst>
+                        <p:par>
+                          <p:cTn id="4" fill="hold">
+                            <p:stCondLst>
+                              <p:cond delay="0"/>
+                            </p:stCondLst>
+                            <p:childTnLst>
+                              <p:par>
+                                <p:cTn id="5" presetID="1" presetClass="mediacall" presetSubtype="0" fill="hold" nodeType="afterEffect">
+                                  <p:stCondLst>
+                                    <p:cond delay="0"/>
+                                  </p:stCondLst>
+                                  <p:childTnLst>
+                                    <p:cmd type="call" cmd="playFrom(0.0)">
+                                      <p:cBhvr>
+                                        <p:cTn id="6" dur="7198" fill="hold"/>
+                                        <p:tgtEl>
+                                          <p:spTgt spid="4"/>
+                                        </p:tgtEl>
+                                      </p:cBhvr>
+                                    </p:cmd>
+                                  </p:childTnLst>
+                                </p:cTn>
+                              </p:par>
+                            </p:childTnLst>
+                          </p:cTn>
+                        </p:par>
+                      </p:childTnLst>
+                    </p:cTn>
+                  </p:par>
+                </p:childTnLst>
+              </p:cTn>
+              <p:prevCondLst>
+                <p:cond evt="onPrev" delay="0">
+                  <p:tgtEl>
+                    <p:sldTgt/>
+                  </p:tgtEl>
+                </p:cond>
+              </p:prevCondLst>
+              <p:nextCondLst>
+                <p:cond evt="onNext" delay="0">
+                  <p:tgtEl>
+                    <p:sldTgt/>
+                  </p:tgtEl>
+                </p:cond>
+              </p:nextCondLst>
+            </p:seq>
+            <p:video>
+              <p:cMediaNode vol="80000">
+                <p:cTn id="7" fill="hold" display="0">
+                  <p:stCondLst>
+                    <p:cond delay="indefinite"/>
+                  </p:stCondLst>
+                </p:cTn>
+                <p:tgtEl>
+                  <p:spTgt spid="4"/>
+                </p:tgtEl>
+              </p:cMediaNode>
+            </p:video>
+            <p:seq concurrent="1" nextAc="seek">
+              <p:cTn id="8" restart="whenNotActive" fill="hold" evtFilter="cancelBubble" nodeType="interactiveSeq">
+                <p:stCondLst>
+                  <p:cond evt="onClick" delay="0">
+                    <p:tgtEl>
+                      <p:spTgt spid="4"/>
+                    </p:tgtEl>
+                  </p:cond>
+                </p:stCondLst>
+                <p:endSync evt="end" delay="0">
+                  <p:rtn val="all"/>
+                </p:endSync>
+                <p:childTnLst>
+                  <p:par>
+                    <p:cTn id="9" fill="hold">
+                      <p:stCondLst>
+                        <p:cond delay="0"/>
+                      </p:stCondLst>
+                      <p:childTnLst>
+                        <p:par>
+                          <p:cTn id="10" fill="hold">
+                            <p:stCondLst>
+                              <p:cond delay="0"/>
+                            </p:stCondLst>
+                            <p:childTnLst>
+                              <p:par>
+                                <p:cTn id="11" presetID="2" presetClass="mediacall" presetSubtype="0" fill="hold" nodeType="clickEffect">
+                                  <p:stCondLst>
+                                    <p:cond delay="0"/>
+                                  </p:stCondLst>
+                                  <p:childTnLst>
+                                    <p:cmd type="call" cmd="togglePause">
+                                      <p:cBhvr>
+                                        <p:cTn id="12" dur="1" fill="hold"/>
+                                        <p:tgtEl>
+                                          <p:spTgt spid="4"/>
+                                        </p:tgtEl>
+                                      </p:cBhvr>
+                                    </p:cmd>
+                                  </p:childTnLst>
+                                </p:cTn>
+                              </p:par>
+                            </p:childTnLst>
+                          </p:cTn>
+                        </p:par>
+                      </p:childTnLst>
+                    </p:cTn>
+                  </p:par>
+                </p:childTnLst>
+              </p:cTn>
+              <p:nextCondLst>
+                <p:cond evt="onClick" delay="0">
+                  <p:tgtEl>
+                    <p:spTgt spid="4"/>
+                  </p:tgtEl>
+                </p:cond>
+              </p:nextCondLst>
+            </p:seq>
+          </p:childTnLst>
+        </p:cTn>
+      </p:par>
+    </p:tnLst>
+  </p:timing>
 </p:sld>
 </file>
 
@@ -7261,10 +7270,9 @@
           <a:lstStyle/>
           <a:p>
             <a:r>
-              <a:rPr lang="ru-RU" b="1" dirty="0" smtClean="0"/>
+              <a:rPr lang="ru-RU" b="1" dirty="0"/>
               <a:t>Задачи проекта</a:t>
             </a:r>
-            <a:endParaRPr lang="ru-RU" b="1" dirty="0"/>
           </a:p>
         </p:txBody>
       </p:sp>
@@ -7383,7 +7391,7 @@
     </p:spTree>
     <p:extLst>
       <p:ext uri="{BB962C8B-B14F-4D97-AF65-F5344CB8AC3E}">
-        <p14:creationId xmlns:p14="http://schemas.microsoft.com/office/powerpoint/2010/main" xmlns="" val="2518101533"/>
+        <p14:creationId xmlns:p14="http://schemas.microsoft.com/office/powerpoint/2010/main" val="2518101533"/>
       </p:ext>
     </p:extLst>
   </p:cSld>
@@ -7393,13 +7401,6 @@
   <p:transition>
     <p:wipe dir="d"/>
   </p:transition>
-  <p:timing>
-    <p:tnLst>
-      <p:par>
-        <p:cTn id="1" dur="indefinite" restart="never" nodeType="tmRoot"/>
-      </p:par>
-    </p:tnLst>
-  </p:timing>
 </p:sld>
 </file>
 
@@ -7443,7 +7444,7 @@
           <a:lstStyle/>
           <a:p>
             <a:r>
-              <a:rPr lang="ru-RU" dirty="0" smtClean="0"/>
+              <a:rPr lang="ru-RU" dirty="0"/>
               <a:t>Навык: </a:t>
             </a:r>
             <a:r>
@@ -7481,7 +7482,7 @@
               <a:buNone/>
             </a:pPr>
             <a:r>
-              <a:rPr lang="ru-RU" dirty="0" smtClean="0">
+              <a:rPr lang="ru-RU" dirty="0">
                 <a:solidFill>
                   <a:schemeClr val="tx1"/>
                 </a:solidFill>
@@ -7489,30 +7490,17 @@
               <a:t>Наш проект заключался в создании навыка для Алисы: </a:t>
             </a:r>
             <a:r>
-              <a:rPr lang="ru-RU" dirty="0" smtClean="0"/>
+              <a:rPr lang="ru-RU" dirty="0"/>
               <a:t>Н</a:t>
             </a:r>
             <a:r>
-              <a:rPr lang="ru-RU" dirty="0" smtClean="0">
+              <a:rPr lang="ru-RU" dirty="0">
                 <a:solidFill>
                   <a:schemeClr val="tx1"/>
                 </a:solidFill>
               </a:rPr>
-              <a:t>авык </a:t>
-            </a:r>
-            <a:r>
-              <a:rPr lang="ru-RU" dirty="0" smtClean="0">
-                <a:solidFill>
-                  <a:schemeClr val="tx1"/>
-                </a:solidFill>
-              </a:rPr>
-              <a:t>называется Географический тест по краям России</a:t>
-            </a:r>
-            <a:endParaRPr lang="ru-RU" dirty="0">
-              <a:solidFill>
-                <a:schemeClr val="tx1"/>
-              </a:solidFill>
-            </a:endParaRPr>
+              <a:t>авык называется Географический тест по краям России</a:t>
+            </a:r>
           </a:p>
         </p:txBody>
       </p:sp>
@@ -7528,7 +7516,7 @@
           <a:blip r:embed="rId2">
             <a:extLst>
               <a:ext uri="{28A0092B-C50C-407E-A947-70E740481C1C}">
-                <a14:useLocalDpi xmlns:a14="http://schemas.microsoft.com/office/drawing/2010/main" xmlns="" val="0"/>
+                <a14:useLocalDpi xmlns:a14="http://schemas.microsoft.com/office/drawing/2010/main" val="0"/>
               </a:ext>
             </a:extLst>
           </a:blip>
@@ -7549,7 +7537,7 @@
     </p:spTree>
     <p:extLst>
       <p:ext uri="{BB962C8B-B14F-4D97-AF65-F5344CB8AC3E}">
-        <p14:creationId xmlns:p14="http://schemas.microsoft.com/office/powerpoint/2010/main" xmlns="" val="422850946"/>
+        <p14:creationId xmlns:p14="http://schemas.microsoft.com/office/powerpoint/2010/main" val="422850946"/>
       </p:ext>
     </p:extLst>
   </p:cSld>
@@ -7559,13 +7547,6 @@
   <p:transition>
     <p:wedge/>
   </p:transition>
-  <p:timing>
-    <p:tnLst>
-      <p:par>
-        <p:cTn id="1" dur="indefinite" restart="never" nodeType="tmRoot"/>
-      </p:par>
-    </p:tnLst>
-  </p:timing>
 </p:sld>
 </file>
 
@@ -7674,14 +7655,13 @@
           <a:p>
             <a:pPr algn="ctr"/>
             <a:r>
-              <a:rPr lang="ru-RU" sz="2800" dirty="0" err="1" smtClean="0"/>
+              <a:rPr lang="ru-RU" sz="2800" dirty="0" err="1"/>
               <a:t>Скриншоты</a:t>
             </a:r>
             <a:r>
-              <a:rPr lang="ru-RU" sz="2800" dirty="0" smtClean="0"/>
+              <a:rPr lang="ru-RU" sz="2800" dirty="0"/>
               <a:t> работы навыка</a:t>
             </a:r>
-            <a:endParaRPr lang="ru-RU" sz="2800" dirty="0"/>
           </a:p>
         </p:txBody>
       </p:sp>
@@ -7693,13 +7673,6 @@
   <p:transition>
     <p:fade thruBlk="1"/>
   </p:transition>
-  <p:timing>
-    <p:tnLst>
-      <p:par>
-        <p:cTn id="1" dur="indefinite" restart="never" nodeType="tmRoot"/>
-      </p:par>
-    </p:tnLst>
-  </p:timing>
 </p:sld>
 </file>
 
@@ -7741,10 +7714,9 @@
           <a:lstStyle/>
           <a:p>
             <a:r>
-              <a:rPr lang="ru-RU" dirty="0" smtClean="0"/>
+              <a:rPr lang="ru-RU" dirty="0"/>
               <a:t>Работа навыка</a:t>
             </a:r>
-            <a:endParaRPr lang="ru-RU" dirty="0"/>
           </a:p>
         </p:txBody>
       </p:sp>
@@ -7873,7 +7845,7 @@
     </p:spTree>
     <p:extLst>
       <p:ext uri="{BB962C8B-B14F-4D97-AF65-F5344CB8AC3E}">
-        <p14:creationId xmlns:p14="http://schemas.microsoft.com/office/powerpoint/2010/main" xmlns="" val="3460704260"/>
+        <p14:creationId xmlns:p14="http://schemas.microsoft.com/office/powerpoint/2010/main" val="3460704260"/>
       </p:ext>
     </p:extLst>
   </p:cSld>
@@ -7883,13 +7855,6 @@
   <p:transition>
     <p:wheel spokes="3"/>
   </p:transition>
-  <p:timing>
-    <p:tnLst>
-      <p:par>
-        <p:cTn id="1" dur="indefinite" restart="never" nodeType="tmRoot"/>
-      </p:par>
-    </p:tnLst>
-  </p:timing>
 </p:sld>
 </file>
 
@@ -7931,10 +7896,9 @@
           <a:lstStyle/>
           <a:p>
             <a:r>
-              <a:rPr lang="ru-RU" dirty="0" smtClean="0"/>
+              <a:rPr lang="ru-RU" dirty="0"/>
               <a:t>Нужные библиотеки</a:t>
             </a:r>
-            <a:endParaRPr lang="ru-RU" dirty="0"/>
           </a:p>
         </p:txBody>
       </p:sp>
@@ -7961,7 +7925,7 @@
             <a:pPr marL="0" indent="0">
               <a:buNone/>
             </a:pPr>
-            <a:endParaRPr lang="ru-RU" dirty="0" smtClean="0"/>
+            <a:endParaRPr lang="ru-RU" dirty="0"/>
           </a:p>
           <a:p>
             <a:endParaRPr lang="ru-RU" dirty="0"/>
@@ -7995,7 +7959,7 @@
     </p:spTree>
     <p:extLst>
       <p:ext uri="{BB962C8B-B14F-4D97-AF65-F5344CB8AC3E}">
-        <p14:creationId xmlns:p14="http://schemas.microsoft.com/office/powerpoint/2010/main" xmlns="" val="3042832010"/>
+        <p14:creationId xmlns:p14="http://schemas.microsoft.com/office/powerpoint/2010/main" val="3042832010"/>
       </p:ext>
     </p:extLst>
   </p:cSld>
@@ -8005,13 +7969,6 @@
   <p:transition>
     <p:strips dir="rd"/>
   </p:transition>
-  <p:timing>
-    <p:tnLst>
-      <p:par>
-        <p:cTn id="1" dur="indefinite" restart="never" nodeType="tmRoot"/>
-      </p:par>
-    </p:tnLst>
-  </p:timing>
 </p:sld>
 </file>
 
@@ -8053,10 +8010,9 @@
           <a:lstStyle/>
           <a:p>
             <a:r>
-              <a:rPr lang="ru-RU" dirty="0" smtClean="0"/>
+              <a:rPr lang="ru-RU" dirty="0"/>
               <a:t>Массив с вопросами и ответами</a:t>
             </a:r>
-            <a:endParaRPr lang="ru-RU" dirty="0"/>
           </a:p>
         </p:txBody>
       </p:sp>
@@ -8089,7 +8045,7 @@
     </p:spTree>
     <p:extLst>
       <p:ext uri="{BB962C8B-B14F-4D97-AF65-F5344CB8AC3E}">
-        <p14:creationId xmlns:p14="http://schemas.microsoft.com/office/powerpoint/2010/main" xmlns="" val="1048257820"/>
+        <p14:creationId xmlns:p14="http://schemas.microsoft.com/office/powerpoint/2010/main" val="1048257820"/>
       </p:ext>
     </p:extLst>
   </p:cSld>
@@ -8099,13 +8055,6 @@
   <p:transition>
     <p:newsflash/>
   </p:transition>
-  <p:timing>
-    <p:tnLst>
-      <p:par>
-        <p:cTn id="1" dur="indefinite" restart="never" nodeType="tmRoot"/>
-      </p:par>
-    </p:tnLst>
-  </p:timing>
 </p:sld>
 </file>
 
@@ -8181,18 +8130,17 @@
           <a:lstStyle/>
           <a:p>
             <a:r>
-              <a:rPr lang="ru-RU" dirty="0" smtClean="0"/>
+              <a:rPr lang="ru-RU" dirty="0"/>
               <a:t>Запуск функций и инициализация необходимых ключей словарей происходит в функции </a:t>
             </a:r>
             <a:r>
-              <a:rPr lang="en-US" dirty="0" smtClean="0"/>
+              <a:rPr lang="en-US" dirty="0"/>
               <a:t>main</a:t>
             </a:r>
             <a:r>
-              <a:rPr lang="ru-RU" dirty="0" smtClean="0"/>
+              <a:rPr lang="ru-RU" dirty="0"/>
               <a:t> </a:t>
             </a:r>
-            <a:endParaRPr lang="ru-RU" dirty="0"/>
           </a:p>
         </p:txBody>
       </p:sp>
@@ -8251,29 +8199,28 @@
           <a:lstStyle/>
           <a:p>
             <a:r>
-              <a:rPr lang="ru-RU" dirty="0" smtClean="0"/>
+              <a:rPr lang="ru-RU" dirty="0"/>
               <a:t>Функция </a:t>
             </a:r>
             <a:r>
-              <a:rPr lang="en-US" dirty="0" err="1" smtClean="0"/>
+              <a:rPr lang="en-US" dirty="0" err="1"/>
               <a:t>first_name</a:t>
             </a:r>
             <a:r>
-              <a:rPr lang="en-US" dirty="0" smtClean="0"/>
+              <a:rPr lang="en-US" dirty="0"/>
               <a:t> </a:t>
             </a:r>
             <a:r>
-              <a:rPr lang="ru-RU" dirty="0" smtClean="0"/>
+              <a:rPr lang="ru-RU" dirty="0"/>
               <a:t>возвращает имя текущего пользователя, чтобы Алиса к нему могла обратиться.</a:t>
             </a:r>
-            <a:endParaRPr lang="ru-RU" dirty="0"/>
           </a:p>
         </p:txBody>
       </p:sp>
     </p:spTree>
     <p:extLst>
       <p:ext uri="{BB962C8B-B14F-4D97-AF65-F5344CB8AC3E}">
-        <p14:creationId xmlns:p14="http://schemas.microsoft.com/office/powerpoint/2010/main" xmlns="" val="1394189334"/>
+        <p14:creationId xmlns:p14="http://schemas.microsoft.com/office/powerpoint/2010/main" val="1394189334"/>
       </p:ext>
     </p:extLst>
   </p:cSld>
@@ -8283,13 +8230,6 @@
   <p:transition>
     <p:wipe dir="r"/>
   </p:transition>
-  <p:timing>
-    <p:tnLst>
-      <p:par>
-        <p:cTn id="1" dur="indefinite" restart="never" nodeType="tmRoot"/>
-      </p:par>
-    </p:tnLst>
-  </p:timing>
 </p:sld>
 </file>
 
@@ -8397,22 +8337,21 @@
           <a:lstStyle/>
           <a:p>
             <a:r>
-              <a:rPr lang="ru-RU" dirty="0" smtClean="0"/>
+              <a:rPr lang="ru-RU" dirty="0"/>
               <a:t>Функция </a:t>
             </a:r>
             <a:r>
-              <a:rPr lang="en-US" dirty="0" err="1" smtClean="0"/>
+              <a:rPr lang="en-US" dirty="0" err="1"/>
               <a:t>get_city</a:t>
             </a:r>
             <a:r>
-              <a:rPr lang="en-US" dirty="0" smtClean="0"/>
+              <a:rPr lang="en-US" dirty="0"/>
               <a:t> </a:t>
             </a:r>
             <a:r>
-              <a:rPr lang="ru-RU" dirty="0" smtClean="0"/>
+              <a:rPr lang="ru-RU" dirty="0"/>
               <a:t>возвращает город для ответа путем проверки, есть ли он в списке.</a:t>
             </a:r>
-            <a:endParaRPr lang="ru-RU" dirty="0"/>
           </a:p>
         </p:txBody>
       </p:sp>
@@ -8439,22 +8378,21 @@
           <a:lstStyle/>
           <a:p>
             <a:r>
-              <a:rPr lang="ru-RU" dirty="0" smtClean="0"/>
+              <a:rPr lang="ru-RU" dirty="0"/>
               <a:t>Функция </a:t>
             </a:r>
             <a:r>
-              <a:rPr lang="en-US" dirty="0" err="1" smtClean="0"/>
+              <a:rPr lang="en-US" dirty="0" err="1"/>
               <a:t>get_suggests</a:t>
             </a:r>
             <a:r>
-              <a:rPr lang="en-US" dirty="0" smtClean="0"/>
+              <a:rPr lang="en-US" dirty="0"/>
               <a:t> </a:t>
             </a:r>
             <a:r>
-              <a:rPr lang="ru-RU" dirty="0" smtClean="0"/>
+              <a:rPr lang="ru-RU" dirty="0"/>
               <a:t>выдает подсказку к вопросу</a:t>
             </a:r>
-            <a:endParaRPr lang="ru-RU" dirty="0"/>
           </a:p>
         </p:txBody>
       </p:sp>
@@ -8514,29 +8452,28 @@
           <a:lstStyle/>
           <a:p>
             <a:r>
-              <a:rPr lang="ru-RU" dirty="0" smtClean="0"/>
+              <a:rPr lang="ru-RU" dirty="0"/>
               <a:t>Функция </a:t>
             </a:r>
             <a:r>
-              <a:rPr lang="en-US" dirty="0" err="1" smtClean="0"/>
+              <a:rPr lang="en-US" dirty="0" err="1"/>
               <a:t>get_url_suggests</a:t>
             </a:r>
             <a:r>
-              <a:rPr lang="en-US" dirty="0" smtClean="0"/>
+              <a:rPr lang="en-US" dirty="0"/>
               <a:t> </a:t>
             </a:r>
             <a:r>
-              <a:rPr lang="ru-RU" dirty="0" smtClean="0"/>
+              <a:rPr lang="ru-RU" dirty="0"/>
               <a:t>возвращает подсказки для перехода по ссылке</a:t>
             </a:r>
-            <a:endParaRPr lang="ru-RU" dirty="0"/>
           </a:p>
         </p:txBody>
       </p:sp>
     </p:spTree>
     <p:extLst>
       <p:ext uri="{BB962C8B-B14F-4D97-AF65-F5344CB8AC3E}">
-        <p14:creationId xmlns:p14="http://schemas.microsoft.com/office/powerpoint/2010/main" xmlns="" val="4086111295"/>
+        <p14:creationId xmlns:p14="http://schemas.microsoft.com/office/powerpoint/2010/main" val="4086111295"/>
       </p:ext>
     </p:extLst>
   </p:cSld>
@@ -8546,13 +8483,6 @@
   <p:transition>
     <p:wedge/>
   </p:transition>
-  <p:timing>
-    <p:tnLst>
-      <p:par>
-        <p:cTn id="1" dur="indefinite" restart="never" nodeType="tmRoot"/>
-      </p:par>
-    </p:tnLst>
-  </p:timing>
 </p:sld>
 </file>
 
